--- a/FRC 4662 Programming Intro.pptx
+++ b/FRC 4662 Programming Intro.pptx
@@ -260,7 +260,7 @@
           <a:p>
             <a:fld id="{48A87A34-81AB-432B-8DAE-1953F412C126}" type="datetimeFigureOut">
               <a:rPr lang="en-US" dirty="0"/>
-              <a:t>9/25/2016</a:t>
+              <a:t>10/1/2016</a:t>
             </a:fld>
             <a:endParaRPr lang="en-US" dirty="0"/>
           </a:p>
@@ -466,7 +466,7 @@
           <a:p>
             <a:fld id="{48A87A34-81AB-432B-8DAE-1953F412C126}" type="datetimeFigureOut">
               <a:rPr lang="en-US" dirty="0"/>
-              <a:t>9/25/2016</a:t>
+              <a:t>10/1/2016</a:t>
             </a:fld>
             <a:endParaRPr lang="en-US" dirty="0"/>
           </a:p>
@@ -676,7 +676,7 @@
           <a:p>
             <a:fld id="{48A87A34-81AB-432B-8DAE-1953F412C126}" type="datetimeFigureOut">
               <a:rPr lang="en-US" dirty="0"/>
-              <a:t>9/25/2016</a:t>
+              <a:t>10/1/2016</a:t>
             </a:fld>
             <a:endParaRPr lang="en-US" dirty="0"/>
           </a:p>
@@ -872,7 +872,7 @@
           <a:p>
             <a:fld id="{48A87A34-81AB-432B-8DAE-1953F412C126}" type="datetimeFigureOut">
               <a:rPr lang="en-US" dirty="0"/>
-              <a:t>9/25/2016</a:t>
+              <a:t>10/1/2016</a:t>
             </a:fld>
             <a:endParaRPr lang="en-US" dirty="0"/>
           </a:p>
@@ -1146,7 +1146,7 @@
           <a:p>
             <a:fld id="{48A87A34-81AB-432B-8DAE-1953F412C126}" type="datetimeFigureOut">
               <a:rPr lang="en-US" dirty="0"/>
-              <a:t>9/25/2016</a:t>
+              <a:t>10/1/2016</a:t>
             </a:fld>
             <a:endParaRPr lang="en-US" dirty="0"/>
           </a:p>
@@ -1409,7 +1409,7 @@
           <a:p>
             <a:fld id="{48A87A34-81AB-432B-8DAE-1953F412C126}" type="datetimeFigureOut">
               <a:rPr lang="en-US" dirty="0"/>
-              <a:t>9/25/2016</a:t>
+              <a:t>10/1/2016</a:t>
             </a:fld>
             <a:endParaRPr lang="en-US" dirty="0"/>
           </a:p>
@@ -1820,7 +1820,7 @@
           <a:p>
             <a:fld id="{48A87A34-81AB-432B-8DAE-1953F412C126}" type="datetimeFigureOut">
               <a:rPr lang="en-US" dirty="0"/>
-              <a:t>9/25/2016</a:t>
+              <a:t>10/1/2016</a:t>
             </a:fld>
             <a:endParaRPr lang="en-US" dirty="0"/>
           </a:p>
@@ -1964,7 +1964,7 @@
           <a:p>
             <a:fld id="{48A87A34-81AB-432B-8DAE-1953F412C126}" type="datetimeFigureOut">
               <a:rPr lang="en-US" dirty="0"/>
-              <a:t>9/25/2016</a:t>
+              <a:t>10/1/2016</a:t>
             </a:fld>
             <a:endParaRPr lang="en-US" dirty="0"/>
           </a:p>
@@ -2085,7 +2085,7 @@
           <a:p>
             <a:fld id="{48A87A34-81AB-432B-8DAE-1953F412C126}" type="datetimeFigureOut">
               <a:rPr lang="en-US" dirty="0"/>
-              <a:t>9/25/2016</a:t>
+              <a:t>10/1/2016</a:t>
             </a:fld>
             <a:endParaRPr lang="en-US" dirty="0"/>
           </a:p>
@@ -2331,7 +2331,7 @@
           <a:p>
             <a:fld id="{48A87A34-81AB-432B-8DAE-1953F412C126}" type="datetimeFigureOut">
               <a:rPr lang="en-US" dirty="0"/>
-              <a:t>9/25/2016</a:t>
+              <a:t>10/1/2016</a:t>
             </a:fld>
             <a:endParaRPr lang="en-US" dirty="0"/>
           </a:p>
@@ -2772,7 +2772,7 @@
             <a:fld id="{48A87A34-81AB-432B-8DAE-1953F412C126}" type="datetimeFigureOut">
               <a:rPr lang="en-US" dirty="0"/>
               <a:pPr/>
-              <a:t>9/25/2016</a:t>
+              <a:t>10/1/2016</a:t>
             </a:fld>
             <a:endParaRPr lang="en-US" dirty="0"/>
           </a:p>
@@ -3094,7 +3094,7 @@
             <a:fld id="{48A87A34-81AB-432B-8DAE-1953F412C126}" type="datetimeFigureOut">
               <a:rPr lang="en-US" dirty="0"/>
               <a:pPr/>
-              <a:t>9/25/2016</a:t>
+              <a:t>10/1/2016</a:t>
             </a:fld>
             <a:endParaRPr lang="en-US" dirty="0"/>
           </a:p>
@@ -4601,7 +4601,7 @@
         <p:spPr/>
         <p:txBody>
           <a:bodyPr>
-            <a:normAutofit fontScale="92500" lnSpcReduction="20000"/>
+            <a:normAutofit fontScale="85000" lnSpcReduction="20000"/>
           </a:bodyPr>
           <a:lstStyle/>
           <a:p>
@@ -4654,6 +4654,18 @@
               <a:rPr lang="en-US" dirty="0"/>
               <a:t>Allow updates to Target Table</a:t>
             </a:r>
+          </a:p>
+          <a:p>
+            <a:pPr lvl="1"/>
+            <a:r>
+              <a:rPr lang="en-US" dirty="0"/>
+              <a:t>Use true/false for table increment command rather </a:t>
+            </a:r>
+            <a:r>
+              <a:rPr lang="en-US"/>
+              <a:t>than hard-code</a:t>
+            </a:r>
+            <a:endParaRPr lang="en-US" dirty="0"/>
           </a:p>
           <a:p>
             <a:pPr lvl="1"/>

--- a/FRC 4662 Programming Intro.pptx
+++ b/FRC 4662 Programming Intro.pptx
@@ -260,7 +260,7 @@
           <a:p>
             <a:fld id="{48A87A34-81AB-432B-8DAE-1953F412C126}" type="datetimeFigureOut">
               <a:rPr lang="en-US" dirty="0"/>
-              <a:t>10/1/2016</a:t>
+              <a:t>10/5/2016</a:t>
             </a:fld>
             <a:endParaRPr lang="en-US" dirty="0"/>
           </a:p>
@@ -466,7 +466,7 @@
           <a:p>
             <a:fld id="{48A87A34-81AB-432B-8DAE-1953F412C126}" type="datetimeFigureOut">
               <a:rPr lang="en-US" dirty="0"/>
-              <a:t>10/1/2016</a:t>
+              <a:t>10/5/2016</a:t>
             </a:fld>
             <a:endParaRPr lang="en-US" dirty="0"/>
           </a:p>
@@ -676,7 +676,7 @@
           <a:p>
             <a:fld id="{48A87A34-81AB-432B-8DAE-1953F412C126}" type="datetimeFigureOut">
               <a:rPr lang="en-US" dirty="0"/>
-              <a:t>10/1/2016</a:t>
+              <a:t>10/5/2016</a:t>
             </a:fld>
             <a:endParaRPr lang="en-US" dirty="0"/>
           </a:p>
@@ -872,7 +872,7 @@
           <a:p>
             <a:fld id="{48A87A34-81AB-432B-8DAE-1953F412C126}" type="datetimeFigureOut">
               <a:rPr lang="en-US" dirty="0"/>
-              <a:t>10/1/2016</a:t>
+              <a:t>10/5/2016</a:t>
             </a:fld>
             <a:endParaRPr lang="en-US" dirty="0"/>
           </a:p>
@@ -1146,7 +1146,7 @@
           <a:p>
             <a:fld id="{48A87A34-81AB-432B-8DAE-1953F412C126}" type="datetimeFigureOut">
               <a:rPr lang="en-US" dirty="0"/>
-              <a:t>10/1/2016</a:t>
+              <a:t>10/5/2016</a:t>
             </a:fld>
             <a:endParaRPr lang="en-US" dirty="0"/>
           </a:p>
@@ -1409,7 +1409,7 @@
           <a:p>
             <a:fld id="{48A87A34-81AB-432B-8DAE-1953F412C126}" type="datetimeFigureOut">
               <a:rPr lang="en-US" dirty="0"/>
-              <a:t>10/1/2016</a:t>
+              <a:t>10/5/2016</a:t>
             </a:fld>
             <a:endParaRPr lang="en-US" dirty="0"/>
           </a:p>
@@ -1820,7 +1820,7 @@
           <a:p>
             <a:fld id="{48A87A34-81AB-432B-8DAE-1953F412C126}" type="datetimeFigureOut">
               <a:rPr lang="en-US" dirty="0"/>
-              <a:t>10/1/2016</a:t>
+              <a:t>10/5/2016</a:t>
             </a:fld>
             <a:endParaRPr lang="en-US" dirty="0"/>
           </a:p>
@@ -1964,7 +1964,7 @@
           <a:p>
             <a:fld id="{48A87A34-81AB-432B-8DAE-1953F412C126}" type="datetimeFigureOut">
               <a:rPr lang="en-US" dirty="0"/>
-              <a:t>10/1/2016</a:t>
+              <a:t>10/5/2016</a:t>
             </a:fld>
             <a:endParaRPr lang="en-US" dirty="0"/>
           </a:p>
@@ -2085,7 +2085,7 @@
           <a:p>
             <a:fld id="{48A87A34-81AB-432B-8DAE-1953F412C126}" type="datetimeFigureOut">
               <a:rPr lang="en-US" dirty="0"/>
-              <a:t>10/1/2016</a:t>
+              <a:t>10/5/2016</a:t>
             </a:fld>
             <a:endParaRPr lang="en-US" dirty="0"/>
           </a:p>
@@ -2331,7 +2331,7 @@
           <a:p>
             <a:fld id="{48A87A34-81AB-432B-8DAE-1953F412C126}" type="datetimeFigureOut">
               <a:rPr lang="en-US" dirty="0"/>
-              <a:t>10/1/2016</a:t>
+              <a:t>10/5/2016</a:t>
             </a:fld>
             <a:endParaRPr lang="en-US" dirty="0"/>
           </a:p>
@@ -2772,7 +2772,7 @@
             <a:fld id="{48A87A34-81AB-432B-8DAE-1953F412C126}" type="datetimeFigureOut">
               <a:rPr lang="en-US" dirty="0"/>
               <a:pPr/>
-              <a:t>10/1/2016</a:t>
+              <a:t>10/5/2016</a:t>
             </a:fld>
             <a:endParaRPr lang="en-US" dirty="0"/>
           </a:p>
@@ -3094,7 +3094,7 @@
             <a:fld id="{48A87A34-81AB-432B-8DAE-1953F412C126}" type="datetimeFigureOut">
               <a:rPr lang="en-US" dirty="0"/>
               <a:pPr/>
-              <a:t>10/1/2016</a:t>
+              <a:t>10/5/2016</a:t>
             </a:fld>
             <a:endParaRPr lang="en-US" dirty="0"/>
           </a:p>
@@ -3615,8 +3615,13 @@
           <a:p>
             <a:r>
               <a:rPr lang="en-US" dirty="0"/>
-              <a:t>Who What When Why – and HOW</a:t>
-            </a:r>
+              <a:t>Who What When </a:t>
+            </a:r>
+            <a:r>
+              <a:rPr lang="en-US"/>
+              <a:t>Why (HOW Later)</a:t>
+            </a:r>
+            <a:endParaRPr lang="en-US" dirty="0"/>
           </a:p>
         </p:txBody>
       </p:sp>
@@ -4231,7 +4236,7 @@
         <p:spPr>
           <a:xfrm>
             <a:off x="446567" y="361507"/>
-            <a:ext cx="8180124" cy="6186309"/>
+            <a:ext cx="6610336" cy="5878532"/>
           </a:xfrm>
           <a:prstGeom prst="rect">
             <a:avLst/>
@@ -4254,120 +4259,151 @@
           </a:p>
           <a:p>
             <a:r>
-              <a:rPr lang="en-US" dirty="0"/>
+              <a:rPr lang="en-US" sz="1400" dirty="0"/>
+              <a:t>Goals</a:t>
+            </a:r>
+          </a:p>
+          <a:p>
+            <a:r>
+              <a:rPr lang="en-US" sz="1400" dirty="0"/>
+              <a:t>	Learn PID control coding mechanisms</a:t>
+            </a:r>
+          </a:p>
+          <a:p>
+            <a:r>
+              <a:rPr lang="en-US" sz="1400" dirty="0"/>
+              <a:t>	Work on OO and Better Practices</a:t>
+            </a:r>
+          </a:p>
+          <a:p>
+            <a:endParaRPr lang="en-US" sz="1400" dirty="0"/>
+          </a:p>
+          <a:p>
+            <a:r>
+              <a:rPr lang="en-US" sz="1400" dirty="0"/>
               <a:t>Actuators</a:t>
             </a:r>
           </a:p>
           <a:p>
             <a:r>
-              <a:rPr lang="en-US" dirty="0"/>
+              <a:rPr lang="en-US" sz="1400" dirty="0"/>
               <a:t>	Motors and gearboxes for drive system</a:t>
             </a:r>
           </a:p>
           <a:p>
             <a:r>
-              <a:rPr lang="en-US" dirty="0"/>
+              <a:rPr lang="en-US" sz="1400" dirty="0"/>
               <a:t>	Linear Actuator (motorized screw jack)</a:t>
             </a:r>
           </a:p>
           <a:p>
-            <a:endParaRPr lang="en-US" dirty="0"/>
-          </a:p>
-          <a:p>
-            <a:r>
-              <a:rPr lang="en-US" dirty="0"/>
+            <a:endParaRPr lang="en-US" sz="1400" dirty="0"/>
+          </a:p>
+          <a:p>
+            <a:r>
+              <a:rPr lang="en-US" sz="1400" dirty="0"/>
               <a:t>Speed Controllers</a:t>
             </a:r>
           </a:p>
           <a:p>
             <a:r>
-              <a:rPr lang="en-US" dirty="0"/>
+              <a:rPr lang="en-US" sz="1400" dirty="0"/>
               <a:t>	Talon SRX (CTRE)</a:t>
             </a:r>
           </a:p>
           <a:p>
             <a:r>
-              <a:rPr lang="en-US" dirty="0"/>
+              <a:rPr lang="en-US" sz="1400" dirty="0"/>
               <a:t>	Talon (now obsolete, available as a discontinued item)</a:t>
             </a:r>
           </a:p>
           <a:p>
-            <a:endParaRPr lang="en-US" dirty="0"/>
-          </a:p>
-          <a:p>
-            <a:r>
-              <a:rPr lang="en-US" dirty="0"/>
+            <a:endParaRPr lang="en-US" sz="1400" dirty="0"/>
+          </a:p>
+          <a:p>
+            <a:r>
+              <a:rPr lang="en-US" sz="1400" dirty="0"/>
               <a:t>Sensors</a:t>
             </a:r>
           </a:p>
           <a:p>
             <a:r>
-              <a:rPr lang="en-US" dirty="0"/>
+              <a:rPr lang="en-US" sz="1400" dirty="0"/>
               <a:t>	Quadrature Encoder</a:t>
             </a:r>
           </a:p>
           <a:p>
             <a:r>
-              <a:rPr lang="en-US" dirty="0"/>
+              <a:rPr lang="en-US" sz="1400" dirty="0"/>
               <a:t>		reads rotation speed, distance, and direction</a:t>
             </a:r>
           </a:p>
           <a:p>
             <a:r>
-              <a:rPr lang="en-US" dirty="0"/>
+              <a:rPr lang="en-US" sz="1400" dirty="0"/>
               <a:t>		</a:t>
             </a:r>
             <a:r>
-              <a:rPr lang="en-US" dirty="0">
+              <a:rPr lang="en-US" sz="1400" dirty="0">
                 <a:hlinkClick r:id="rId2"/>
               </a:rPr>
               <a:t>http://www.digikey.com/product-detail/en/AMT102-V/102-1307-ND/827015</a:t>
             </a:r>
-            <a:endParaRPr lang="en-US" dirty="0"/>
-          </a:p>
-          <a:p>
-            <a:r>
-              <a:rPr lang="en-US" dirty="0"/>
+            <a:endParaRPr lang="en-US" sz="1400" dirty="0"/>
+          </a:p>
+          <a:p>
+            <a:r>
+              <a:rPr lang="en-US" sz="1400" dirty="0"/>
               <a:t>	Potentiometer</a:t>
             </a:r>
           </a:p>
           <a:p>
             <a:r>
-              <a:rPr lang="en-US" dirty="0"/>
+              <a:rPr lang="en-US" sz="1400" dirty="0"/>
               <a:t>		reads position on a rotary scale</a:t>
             </a:r>
           </a:p>
           <a:p>
             <a:r>
-              <a:rPr lang="en-US" dirty="0"/>
+              <a:rPr lang="en-US" sz="1400" dirty="0"/>
               <a:t>		can be adapted to a linear scale with a “string” potentiometer</a:t>
             </a:r>
           </a:p>
           <a:p>
             <a:r>
-              <a:rPr lang="en-US" dirty="0"/>
+              <a:rPr lang="en-US" sz="1400" dirty="0"/>
               <a:t>		amazon.com search on linear potentiometer 10k</a:t>
             </a:r>
           </a:p>
           <a:p>
             <a:r>
-              <a:rPr lang="en-US" dirty="0"/>
+              <a:rPr lang="en-US" sz="1400" dirty="0"/>
               <a:t>	Limit Switches</a:t>
             </a:r>
           </a:p>
           <a:p>
             <a:r>
-              <a:rPr lang="en-US" dirty="0"/>
+              <a:rPr lang="en-US" sz="1400" dirty="0"/>
               <a:t>		</a:t>
             </a:r>
             <a:r>
-              <a:rPr lang="en-US" dirty="0" err="1"/>
+              <a:rPr lang="en-US" sz="1400" dirty="0" err="1"/>
               <a:t>AndyMark</a:t>
             </a:r>
-            <a:endParaRPr lang="en-US" dirty="0"/>
-          </a:p>
-          <a:p>
-            <a:endParaRPr lang="en-US" dirty="0"/>
+            <a:endParaRPr lang="en-US" sz="1400" dirty="0"/>
+          </a:p>
+          <a:p>
+            <a:r>
+              <a:rPr lang="en-US" sz="1400" dirty="0"/>
+              <a:t>		</a:t>
+            </a:r>
+            <a:r>
+              <a:rPr lang="en-US" sz="1400" dirty="0">
+                <a:hlinkClick r:id="rId3"/>
+              </a:rPr>
+              <a:t>http://www.andymark.com/</a:t>
+            </a:r>
+            <a:endParaRPr lang="en-US" sz="1400" dirty="0"/>
           </a:p>
           <a:p>
             <a:endParaRPr lang="en-US" dirty="0"/>
@@ -4411,13 +4447,13 @@
             <a:spLocks noGrp="1"/>
           </p:cNvSpPr>
           <p:nvPr>
-            <p:ph type="title"/>
+            <p:ph type="title" idx="4294967295"/>
           </p:nvPr>
         </p:nvSpPr>
         <p:spPr>
           <a:xfrm>
-            <a:off x="1451206" y="1129513"/>
-            <a:ext cx="5532328" cy="896057"/>
+            <a:off x="0" y="1130300"/>
+            <a:ext cx="5532438" cy="895350"/>
           </a:xfrm>
         </p:spPr>
         <p:txBody>
@@ -4438,13 +4474,13 @@
             <a:spLocks noGrp="1"/>
           </p:cNvSpPr>
           <p:nvPr>
-            <p:ph type="body" sz="half" idx="2"/>
+            <p:ph type="body" sz="half" idx="4294967295"/>
           </p:nvPr>
         </p:nvSpPr>
         <p:spPr>
           <a:xfrm>
-            <a:off x="1450329" y="2222339"/>
-            <a:ext cx="5524404" cy="2927395"/>
+            <a:off x="0" y="2222500"/>
+            <a:ext cx="5524500" cy="3752850"/>
           </a:xfrm>
         </p:spPr>
         <p:txBody>
@@ -4454,6 +4490,12 @@
           <a:lstStyle/>
           <a:p>
             <a:r>
+              <a:rPr lang="en-US" dirty="0"/>
+              <a:t>“Linear Actuator” home built version</a:t>
+            </a:r>
+          </a:p>
+          <a:p>
+            <a:r>
               <a:rPr lang="en-US" dirty="0" err="1"/>
               <a:t>AndyMark</a:t>
             </a:r>
@@ -4488,10 +4530,9 @@
           </a:p>
           <a:p>
             <a:r>
-              <a:rPr lang="en-US"/>
+              <a:rPr lang="en-US" dirty="0"/>
               <a:t>Potentiometer</a:t>
             </a:r>
-            <a:endParaRPr lang="en-US" dirty="0"/>
           </a:p>
           <a:p>
             <a:r>
@@ -4514,7 +4555,7 @@
             <a:picLocks noGrp="1" noChangeAspect="1"/>
           </p:cNvPicPr>
           <p:nvPr>
-            <p:ph type="pic" idx="1"/>
+            <p:ph type="pic" idx="4294967295"/>
           </p:nvPr>
         </p:nvPicPr>
         <p:blipFill>
@@ -4526,8 +4567,8 @@
         </p:blipFill>
         <p:spPr>
           <a:xfrm>
-            <a:off x="6759314" y="1026522"/>
-            <a:ext cx="5024437" cy="3867150"/>
+            <a:off x="6049926" y="1005848"/>
+            <a:ext cx="5217041" cy="3867150"/>
           </a:xfrm>
         </p:spPr>
       </p:pic>
@@ -4598,10 +4639,15 @@
             <p:ph idx="1"/>
           </p:nvPr>
         </p:nvSpPr>
-        <p:spPr/>
+        <p:spPr>
+          <a:xfrm>
+            <a:off x="1451579" y="1853754"/>
+            <a:ext cx="9603275" cy="4206804"/>
+          </a:xfrm>
+        </p:spPr>
         <p:txBody>
           <a:bodyPr>
-            <a:normAutofit fontScale="85000" lnSpcReduction="20000"/>
+            <a:normAutofit fontScale="77500" lnSpcReduction="20000"/>
           </a:bodyPr>
           <a:lstStyle/>
           <a:p>
@@ -4623,21 +4669,42 @@
             </a:r>
           </a:p>
           <a:p>
+            <a:pPr lvl="1"/>
+            <a:r>
+              <a:rPr lang="en-US" dirty="0"/>
+              <a:t>An Object is a “thing”</a:t>
+            </a:r>
+          </a:p>
+          <a:p>
+            <a:pPr lvl="1"/>
+            <a:r>
+              <a:rPr lang="en-US" dirty="0"/>
+              <a:t>A Class can “blueprint” a “thing”</a:t>
+            </a:r>
+          </a:p>
+          <a:p>
             <a:r>
               <a:rPr lang="en-US" dirty="0"/>
               <a:t>PID Controller using Potentiometer</a:t>
             </a:r>
           </a:p>
           <a:p>
-            <a:r>
-              <a:rPr lang="en-US" dirty="0"/>
-              <a:t>Needs work</a:t>
-            </a:r>
-          </a:p>
-          <a:p>
             <a:pPr lvl="1"/>
             <a:r>
               <a:rPr lang="en-US" dirty="0"/>
+              <a:t>Proportional, Integral, Derivative – the theory is a whole topic</a:t>
+            </a:r>
+          </a:p>
+          <a:p>
+            <a:r>
+              <a:rPr lang="en-US" dirty="0"/>
+              <a:t>Needs work aka Exercises</a:t>
+            </a:r>
+          </a:p>
+          <a:p>
+            <a:pPr lvl="1"/>
+            <a:r>
+              <a:rPr lang="en-US" dirty="0"/>
               <a:t>Initialize routine to save “home” position</a:t>
             </a:r>
           </a:p>
@@ -4645,33 +4712,52 @@
             <a:pPr lvl="1"/>
             <a:r>
               <a:rPr lang="en-US" dirty="0"/>
-              <a:t>Fix the On Target method</a:t>
+              <a:t>Fix the </a:t>
+            </a:r>
+            <a:r>
+              <a:rPr lang="en-US" dirty="0" err="1"/>
+              <a:t>OnTarget</a:t>
+            </a:r>
+            <a:r>
+              <a:rPr lang="en-US" dirty="0"/>
+              <a:t> method to tie limit switch detection to movement direction</a:t>
             </a:r>
           </a:p>
           <a:p>
             <a:pPr lvl="1"/>
             <a:r>
               <a:rPr lang="en-US" dirty="0"/>
-              <a:t>Allow updates to Target Table</a:t>
+              <a:t>Allow updates to Target Table (e.g. a Save </a:t>
+            </a:r>
+            <a:r>
+              <a:rPr lang="en-US" dirty="0" err="1"/>
+              <a:t>Setpoint</a:t>
+            </a:r>
+            <a:r>
+              <a:rPr lang="en-US" dirty="0"/>
+              <a:t> command)</a:t>
             </a:r>
           </a:p>
           <a:p>
             <a:pPr lvl="1"/>
             <a:r>
               <a:rPr lang="en-US" dirty="0"/>
-              <a:t>Use true/false for table increment command rather </a:t>
-            </a:r>
-            <a:r>
-              <a:rPr lang="en-US"/>
-              <a:t>than hard-code</a:t>
-            </a:r>
-            <a:endParaRPr lang="en-US" dirty="0"/>
+              <a:t>Use true/false for table increment command rather than hard-code</a:t>
+            </a:r>
           </a:p>
           <a:p>
             <a:pPr lvl="1"/>
             <a:r>
               <a:rPr lang="en-US" dirty="0"/>
-              <a:t>Read/Write table from </a:t>
+              <a:t>Read/Write </a:t>
+            </a:r>
+            <a:r>
+              <a:rPr lang="en-US" dirty="0" err="1"/>
+              <a:t>Setpoint</a:t>
+            </a:r>
+            <a:r>
+              <a:rPr lang="en-US" dirty="0"/>
+              <a:t> table from </a:t>
             </a:r>
             <a:r>
               <a:rPr lang="en-US" dirty="0" err="1"/>
@@ -4721,13 +4807,13 @@
             <a:spLocks noGrp="1"/>
           </p:cNvSpPr>
           <p:nvPr>
-            <p:ph type="title"/>
+            <p:ph type="title" idx="4294967295"/>
           </p:nvPr>
         </p:nvSpPr>
         <p:spPr>
           <a:xfrm>
-            <a:off x="1451206" y="1129513"/>
-            <a:ext cx="5532328" cy="849758"/>
+            <a:off x="0" y="1130300"/>
+            <a:ext cx="5532438" cy="849313"/>
           </a:xfrm>
         </p:spPr>
         <p:txBody>
@@ -4748,13 +4834,13 @@
             <a:spLocks noGrp="1"/>
           </p:cNvSpPr>
           <p:nvPr>
-            <p:ph type="body" sz="half" idx="2"/>
+            <p:ph type="body" sz="half" idx="4294967295"/>
           </p:nvPr>
         </p:nvSpPr>
         <p:spPr>
           <a:xfrm>
-            <a:off x="1450329" y="2268638"/>
-            <a:ext cx="5524404" cy="2881096"/>
+            <a:off x="0" y="2268538"/>
+            <a:ext cx="5524500" cy="2881312"/>
           </a:xfrm>
         </p:spPr>
         <p:txBody>
@@ -4770,7 +4856,7 @@
           <a:p>
             <a:r>
               <a:rPr lang="en-US" dirty="0"/>
-              <a:t>Talon SRX with Encoder and Limit Switch Breakout</a:t>
+              <a:t>Talon SRX with Encoder and Limit Switch Breakout board</a:t>
             </a:r>
           </a:p>
           <a:p>
@@ -4794,7 +4880,7 @@
             <a:picLocks noGrp="1" noChangeAspect="1"/>
           </p:cNvPicPr>
           <p:nvPr>
-            <p:ph type="pic" idx="1"/>
+            <p:ph type="pic" idx="4294967295"/>
           </p:nvPr>
         </p:nvPicPr>
         <p:blipFill>
@@ -4806,8 +4892,8 @@
         </p:blipFill>
         <p:spPr>
           <a:xfrm rot="16200000">
-            <a:off x="7586663" y="1660525"/>
-            <a:ext cx="3867150" cy="2790825"/>
+            <a:off x="6192021" y="990904"/>
+            <a:ext cx="5702500" cy="4115351"/>
           </a:xfrm>
         </p:spPr>
       </p:pic>
@@ -4880,8 +4966,8 @@
         </p:nvSpPr>
         <p:spPr>
           <a:xfrm>
-            <a:off x="1451579" y="1765004"/>
-            <a:ext cx="9603275" cy="3912781"/>
+            <a:off x="1451579" y="1796902"/>
+            <a:ext cx="9603275" cy="4327451"/>
           </a:xfrm>
         </p:spPr>
         <p:txBody>
@@ -4924,7 +5010,7 @@
           <a:p>
             <a:r>
               <a:rPr lang="en-US" dirty="0"/>
-              <a:t>Needs Work</a:t>
+              <a:t>Needs Work – More Exercises</a:t>
             </a:r>
           </a:p>
           <a:p>
@@ -4981,6 +5067,13 @@
             <a:r>
               <a:rPr lang="en-US" dirty="0"/>
               <a:t> methods</a:t>
+            </a:r>
+          </a:p>
+          <a:p>
+            <a:pPr lvl="1"/>
+            <a:r>
+              <a:rPr lang="en-US" dirty="0"/>
+              <a:t>Got Stuck? Handle overloads / drive errors for autonomous</a:t>
             </a:r>
           </a:p>
         </p:txBody>

--- a/FRC 4662 Programming Intro.pptx
+++ b/FRC 4662 Programming Intro.pptx
@@ -4,6 +4,9 @@
   <p:sldMasterIdLst>
     <p:sldMasterId id="2147483648" r:id="rId1"/>
   </p:sldMasterIdLst>
+  <p:handoutMasterIdLst>
+    <p:handoutMasterId r:id="rId12"/>
+  </p:handoutMasterIdLst>
   <p:sldIdLst>
     <p:sldId id="256" r:id="rId2"/>
     <p:sldId id="258" r:id="rId3"/>
@@ -121,6 +124,171 @@
 </p:presentation>
 </file>
 
+<file path=ppt/handoutMasters/handoutMaster1.xml><?xml version="1.0" encoding="utf-8"?>
+<p:handoutMaster xmlns:a="http://schemas.openxmlformats.org/drawingml/2006/main" xmlns:r="http://schemas.openxmlformats.org/officeDocument/2006/relationships" xmlns:p="http://schemas.openxmlformats.org/presentationml/2006/main">
+  <p:cSld>
+    <p:bg>
+      <p:bgRef idx="1001">
+        <a:schemeClr val="bg1"/>
+      </p:bgRef>
+    </p:bg>
+    <p:spTree>
+      <p:nvGrpSpPr>
+        <p:cNvPr id="1" name=""/>
+        <p:cNvGrpSpPr/>
+        <p:nvPr/>
+      </p:nvGrpSpPr>
+      <p:grpSpPr>
+        <a:xfrm>
+          <a:off x="0" y="0"/>
+          <a:ext cx="0" cy="0"/>
+          <a:chOff x="0" y="0"/>
+          <a:chExt cx="0" cy="0"/>
+        </a:xfrm>
+      </p:grpSpPr>
+      <p:sp>
+        <p:nvSpPr>
+          <p:cNvPr id="2" name="Header Placeholder 1"/>
+          <p:cNvSpPr>
+            <a:spLocks noGrp="1"/>
+          </p:cNvSpPr>
+          <p:nvPr>
+            <p:ph type="hdr" sz="quarter"/>
+          </p:nvPr>
+        </p:nvSpPr>
+        <p:spPr>
+          <a:xfrm>
+            <a:off x="0" y="0"/>
+            <a:ext cx="2971800" cy="458788"/>
+          </a:xfrm>
+          <a:prstGeom prst="rect">
+            <a:avLst/>
+          </a:prstGeom>
+        </p:spPr>
+        <p:txBody>
+          <a:bodyPr vert="horz" lIns="91440" tIns="45720" rIns="91440" bIns="45720" rtlCol="0"/>
+          <a:lstStyle>
+            <a:lvl1pPr algn="l">
+              <a:defRPr sz="1200"/>
+            </a:lvl1pPr>
+          </a:lstStyle>
+          <a:p>
+            <a:endParaRPr lang="en-US"/>
+          </a:p>
+        </p:txBody>
+      </p:sp>
+      <p:sp>
+        <p:nvSpPr>
+          <p:cNvPr id="3" name="Date Placeholder 2"/>
+          <p:cNvSpPr>
+            <a:spLocks noGrp="1"/>
+          </p:cNvSpPr>
+          <p:nvPr>
+            <p:ph type="dt" sz="quarter" idx="1"/>
+          </p:nvPr>
+        </p:nvSpPr>
+        <p:spPr>
+          <a:xfrm>
+            <a:off x="3884613" y="0"/>
+            <a:ext cx="2971800" cy="458788"/>
+          </a:xfrm>
+          <a:prstGeom prst="rect">
+            <a:avLst/>
+          </a:prstGeom>
+        </p:spPr>
+        <p:txBody>
+          <a:bodyPr vert="horz" lIns="91440" tIns="45720" rIns="91440" bIns="45720" rtlCol="0"/>
+          <a:lstStyle>
+            <a:lvl1pPr algn="r">
+              <a:defRPr sz="1200"/>
+            </a:lvl1pPr>
+          </a:lstStyle>
+          <a:p>
+            <a:fld id="{C5F70D81-15DC-4899-9BD9-52BA67F9021D}" type="datetimeFigureOut">
+              <a:rPr lang="en-US" smtClean="0"/>
+              <a:t>10/16/2016</a:t>
+            </a:fld>
+            <a:endParaRPr lang="en-US"/>
+          </a:p>
+        </p:txBody>
+      </p:sp>
+      <p:sp>
+        <p:nvSpPr>
+          <p:cNvPr id="4" name="Footer Placeholder 3"/>
+          <p:cNvSpPr>
+            <a:spLocks noGrp="1"/>
+          </p:cNvSpPr>
+          <p:nvPr>
+            <p:ph type="ftr" sz="quarter" idx="2"/>
+          </p:nvPr>
+        </p:nvSpPr>
+        <p:spPr>
+          <a:xfrm>
+            <a:off x="0" y="8685213"/>
+            <a:ext cx="2971800" cy="458787"/>
+          </a:xfrm>
+          <a:prstGeom prst="rect">
+            <a:avLst/>
+          </a:prstGeom>
+        </p:spPr>
+        <p:txBody>
+          <a:bodyPr vert="horz" lIns="91440" tIns="45720" rIns="91440" bIns="45720" rtlCol="0" anchor="b"/>
+          <a:lstStyle>
+            <a:lvl1pPr algn="l">
+              <a:defRPr sz="1200"/>
+            </a:lvl1pPr>
+          </a:lstStyle>
+          <a:p>
+            <a:endParaRPr lang="en-US"/>
+          </a:p>
+        </p:txBody>
+      </p:sp>
+      <p:sp>
+        <p:nvSpPr>
+          <p:cNvPr id="5" name="Slide Number Placeholder 4"/>
+          <p:cNvSpPr>
+            <a:spLocks noGrp="1"/>
+          </p:cNvSpPr>
+          <p:nvPr>
+            <p:ph type="sldNum" sz="quarter" idx="3"/>
+          </p:nvPr>
+        </p:nvSpPr>
+        <p:spPr>
+          <a:xfrm>
+            <a:off x="3884613" y="8685213"/>
+            <a:ext cx="2971800" cy="458787"/>
+          </a:xfrm>
+          <a:prstGeom prst="rect">
+            <a:avLst/>
+          </a:prstGeom>
+        </p:spPr>
+        <p:txBody>
+          <a:bodyPr vert="horz" lIns="91440" tIns="45720" rIns="91440" bIns="45720" rtlCol="0" anchor="b"/>
+          <a:lstStyle>
+            <a:lvl1pPr algn="r">
+              <a:defRPr sz="1200"/>
+            </a:lvl1pPr>
+          </a:lstStyle>
+          <a:p>
+            <a:fld id="{7E134A4C-57FB-4383-80C7-3E96EF8F3F78}" type="slidenum">
+              <a:rPr lang="en-US" smtClean="0"/>
+              <a:t>‹#›</a:t>
+            </a:fld>
+            <a:endParaRPr lang="en-US"/>
+          </a:p>
+        </p:txBody>
+      </p:sp>
+    </p:spTree>
+    <p:extLst>
+      <p:ext uri="{BB962C8B-B14F-4D97-AF65-F5344CB8AC3E}">
+        <p14:creationId xmlns:p14="http://schemas.microsoft.com/office/powerpoint/2010/main" val="1410624042"/>
+      </p:ext>
+    </p:extLst>
+  </p:cSld>
+  <p:clrMap bg1="lt1" tx1="dk1" bg2="lt2" tx2="dk2" accent1="accent1" accent2="accent2" accent3="accent3" accent4="accent4" accent5="accent5" accent6="accent6" hlink="hlink" folHlink="folHlink"/>
+</p:handoutMaster>
+</file>
+
 <file path=ppt/slideLayouts/slideLayout1.xml><?xml version="1.0" encoding="utf-8"?>
 <p:sldLayout xmlns:a="http://schemas.openxmlformats.org/drawingml/2006/main" xmlns:r="http://schemas.openxmlformats.org/officeDocument/2006/relationships" xmlns:p="http://schemas.openxmlformats.org/presentationml/2006/main" type="title" preserve="1">
   <p:cSld name="Title Slide">
@@ -260,7 +428,7 @@
           <a:p>
             <a:fld id="{48A87A34-81AB-432B-8DAE-1953F412C126}" type="datetimeFigureOut">
               <a:rPr lang="en-US" dirty="0"/>
-              <a:t>10/5/2016</a:t>
+              <a:t>10/16/2016</a:t>
             </a:fld>
             <a:endParaRPr lang="en-US" dirty="0"/>
           </a:p>
@@ -466,7 +634,7 @@
           <a:p>
             <a:fld id="{48A87A34-81AB-432B-8DAE-1953F412C126}" type="datetimeFigureOut">
               <a:rPr lang="en-US" dirty="0"/>
-              <a:t>10/5/2016</a:t>
+              <a:t>10/16/2016</a:t>
             </a:fld>
             <a:endParaRPr lang="en-US" dirty="0"/>
           </a:p>
@@ -676,7 +844,7 @@
           <a:p>
             <a:fld id="{48A87A34-81AB-432B-8DAE-1953F412C126}" type="datetimeFigureOut">
               <a:rPr lang="en-US" dirty="0"/>
-              <a:t>10/5/2016</a:t>
+              <a:t>10/16/2016</a:t>
             </a:fld>
             <a:endParaRPr lang="en-US" dirty="0"/>
           </a:p>
@@ -872,7 +1040,7 @@
           <a:p>
             <a:fld id="{48A87A34-81AB-432B-8DAE-1953F412C126}" type="datetimeFigureOut">
               <a:rPr lang="en-US" dirty="0"/>
-              <a:t>10/5/2016</a:t>
+              <a:t>10/16/2016</a:t>
             </a:fld>
             <a:endParaRPr lang="en-US" dirty="0"/>
           </a:p>
@@ -1146,7 +1314,7 @@
           <a:p>
             <a:fld id="{48A87A34-81AB-432B-8DAE-1953F412C126}" type="datetimeFigureOut">
               <a:rPr lang="en-US" dirty="0"/>
-              <a:t>10/5/2016</a:t>
+              <a:t>10/16/2016</a:t>
             </a:fld>
             <a:endParaRPr lang="en-US" dirty="0"/>
           </a:p>
@@ -1409,7 +1577,7 @@
           <a:p>
             <a:fld id="{48A87A34-81AB-432B-8DAE-1953F412C126}" type="datetimeFigureOut">
               <a:rPr lang="en-US" dirty="0"/>
-              <a:t>10/5/2016</a:t>
+              <a:t>10/16/2016</a:t>
             </a:fld>
             <a:endParaRPr lang="en-US" dirty="0"/>
           </a:p>
@@ -1820,7 +1988,7 @@
           <a:p>
             <a:fld id="{48A87A34-81AB-432B-8DAE-1953F412C126}" type="datetimeFigureOut">
               <a:rPr lang="en-US" dirty="0"/>
-              <a:t>10/5/2016</a:t>
+              <a:t>10/16/2016</a:t>
             </a:fld>
             <a:endParaRPr lang="en-US" dirty="0"/>
           </a:p>
@@ -1964,7 +2132,7 @@
           <a:p>
             <a:fld id="{48A87A34-81AB-432B-8DAE-1953F412C126}" type="datetimeFigureOut">
               <a:rPr lang="en-US" dirty="0"/>
-              <a:t>10/5/2016</a:t>
+              <a:t>10/16/2016</a:t>
             </a:fld>
             <a:endParaRPr lang="en-US" dirty="0"/>
           </a:p>
@@ -2085,7 +2253,7 @@
           <a:p>
             <a:fld id="{48A87A34-81AB-432B-8DAE-1953F412C126}" type="datetimeFigureOut">
               <a:rPr lang="en-US" dirty="0"/>
-              <a:t>10/5/2016</a:t>
+              <a:t>10/16/2016</a:t>
             </a:fld>
             <a:endParaRPr lang="en-US" dirty="0"/>
           </a:p>
@@ -2331,7 +2499,7 @@
           <a:p>
             <a:fld id="{48A87A34-81AB-432B-8DAE-1953F412C126}" type="datetimeFigureOut">
               <a:rPr lang="en-US" dirty="0"/>
-              <a:t>10/5/2016</a:t>
+              <a:t>10/16/2016</a:t>
             </a:fld>
             <a:endParaRPr lang="en-US" dirty="0"/>
           </a:p>
@@ -2772,7 +2940,7 @@
             <a:fld id="{48A87A34-81AB-432B-8DAE-1953F412C126}" type="datetimeFigureOut">
               <a:rPr lang="en-US" dirty="0"/>
               <a:pPr/>
-              <a:t>10/5/2016</a:t>
+              <a:t>10/16/2016</a:t>
             </a:fld>
             <a:endParaRPr lang="en-US" dirty="0"/>
           </a:p>
@@ -3094,7 +3262,7 @@
             <a:fld id="{48A87A34-81AB-432B-8DAE-1953F412C126}" type="datetimeFigureOut">
               <a:rPr lang="en-US" dirty="0"/>
               <a:pPr/>
-              <a:t>10/5/2016</a:t>
+              <a:t>10/16/2016</a:t>
             </a:fld>
             <a:endParaRPr lang="en-US" dirty="0"/>
           </a:p>
@@ -5598,4 +5766,299 @@
     </a:ext>
   </a:extLst>
 </a:theme>
+</file>
+
+<file path=ppt/theme/theme2.xml><?xml version="1.0" encoding="utf-8"?>
+<a:theme xmlns:a="http://schemas.openxmlformats.org/drawingml/2006/main" name="Office Theme">
+  <a:themeElements>
+    <a:clrScheme name="Office">
+      <a:dk1>
+        <a:sysClr val="windowText" lastClr="000000"/>
+      </a:dk1>
+      <a:lt1>
+        <a:sysClr val="window" lastClr="FFFFFF"/>
+      </a:lt1>
+      <a:dk2>
+        <a:srgbClr val="44546A"/>
+      </a:dk2>
+      <a:lt2>
+        <a:srgbClr val="E7E6E6"/>
+      </a:lt2>
+      <a:accent1>
+        <a:srgbClr val="5B9BD5"/>
+      </a:accent1>
+      <a:accent2>
+        <a:srgbClr val="ED7D31"/>
+      </a:accent2>
+      <a:accent3>
+        <a:srgbClr val="A5A5A5"/>
+      </a:accent3>
+      <a:accent4>
+        <a:srgbClr val="FFC000"/>
+      </a:accent4>
+      <a:accent5>
+        <a:srgbClr val="4472C4"/>
+      </a:accent5>
+      <a:accent6>
+        <a:srgbClr val="70AD47"/>
+      </a:accent6>
+      <a:hlink>
+        <a:srgbClr val="0563C1"/>
+      </a:hlink>
+      <a:folHlink>
+        <a:srgbClr val="954F72"/>
+      </a:folHlink>
+    </a:clrScheme>
+    <a:fontScheme name="Office">
+      <a:majorFont>
+        <a:latin typeface="Calibri Light" panose="020F0302020204030204"/>
+        <a:ea typeface=""/>
+        <a:cs typeface=""/>
+        <a:font script="Jpan" typeface="游ゴシック Light"/>
+        <a:font script="Hang" typeface="맑은 고딕"/>
+        <a:font script="Hans" typeface="等线 Light"/>
+        <a:font script="Hant" typeface="新細明體"/>
+        <a:font script="Arab" typeface="Times New Roman"/>
+        <a:font script="Hebr" typeface="Times New Roman"/>
+        <a:font script="Thai" typeface="Angsana New"/>
+        <a:font script="Ethi" typeface="Nyala"/>
+        <a:font script="Beng" typeface="Vrinda"/>
+        <a:font script="Gujr" typeface="Shruti"/>
+        <a:font script="Khmr" typeface="MoolBoran"/>
+        <a:font script="Knda" typeface="Tunga"/>
+        <a:font script="Guru" typeface="Raavi"/>
+        <a:font script="Cans" typeface="Euphemia"/>
+        <a:font script="Cher" typeface="Plantagenet Cherokee"/>
+        <a:font script="Yiii" typeface="Microsoft Yi Baiti"/>
+        <a:font script="Tibt" typeface="Microsoft Himalaya"/>
+        <a:font script="Thaa" typeface="MV Boli"/>
+        <a:font script="Deva" typeface="Mangal"/>
+        <a:font script="Telu" typeface="Gautami"/>
+        <a:font script="Taml" typeface="Latha"/>
+        <a:font script="Syrc" typeface="Estrangelo Edessa"/>
+        <a:font script="Orya" typeface="Kalinga"/>
+        <a:font script="Mlym" typeface="Kartika"/>
+        <a:font script="Laoo" typeface="DokChampa"/>
+        <a:font script="Sinh" typeface="Iskoola Pota"/>
+        <a:font script="Mong" typeface="Mongolian Baiti"/>
+        <a:font script="Viet" typeface="Times New Roman"/>
+        <a:font script="Uigh" typeface="Microsoft Uighur"/>
+        <a:font script="Geor" typeface="Sylfaen"/>
+        <a:font script="Armn" typeface="Arial"/>
+        <a:font script="Bugi" typeface="Leelawadee UI"/>
+        <a:font script="Bopo" typeface="Microsoft JhengHei"/>
+        <a:font script="Java" typeface="Javanese Text"/>
+        <a:font script="Lisu" typeface="Segoe UI"/>
+        <a:font script="Mymr" typeface="Myanmar Text"/>
+        <a:font script="Nkoo" typeface="Ebrima"/>
+        <a:font script="Olck" typeface="Nirmala UI"/>
+        <a:font script="Osma" typeface="Ebrima"/>
+        <a:font script="Phag" typeface="Phagspa"/>
+        <a:font script="Syrn" typeface="Estrangelo Edessa"/>
+        <a:font script="Syrj" typeface="Estrangelo Edessa"/>
+        <a:font script="Syre" typeface="Estrangelo Edessa"/>
+        <a:font script="Sora" typeface="Nirmala UI"/>
+        <a:font script="Tale" typeface="Microsoft Tai Le"/>
+        <a:font script="Talu" typeface="Microsoft New Tai Lue"/>
+        <a:font script="Tfng" typeface="Ebrima"/>
+      </a:majorFont>
+      <a:minorFont>
+        <a:latin typeface="Calibri" panose="020F0502020204030204"/>
+        <a:ea typeface=""/>
+        <a:cs typeface=""/>
+        <a:font script="Jpan" typeface="游ゴシック"/>
+        <a:font script="Hang" typeface="맑은 고딕"/>
+        <a:font script="Hans" typeface="等线"/>
+        <a:font script="Hant" typeface="新細明體"/>
+        <a:font script="Arab" typeface="Arial"/>
+        <a:font script="Hebr" typeface="Arial"/>
+        <a:font script="Thai" typeface="Cordia New"/>
+        <a:font script="Ethi" typeface="Nyala"/>
+        <a:font script="Beng" typeface="Vrinda"/>
+        <a:font script="Gujr" typeface="Shruti"/>
+        <a:font script="Khmr" typeface="DaunPenh"/>
+        <a:font script="Knda" typeface="Tunga"/>
+        <a:font script="Guru" typeface="Raavi"/>
+        <a:font script="Cans" typeface="Euphemia"/>
+        <a:font script="Cher" typeface="Plantagenet Cherokee"/>
+        <a:font script="Yiii" typeface="Microsoft Yi Baiti"/>
+        <a:font script="Tibt" typeface="Microsoft Himalaya"/>
+        <a:font script="Thaa" typeface="MV Boli"/>
+        <a:font script="Deva" typeface="Mangal"/>
+        <a:font script="Telu" typeface="Gautami"/>
+        <a:font script="Taml" typeface="Latha"/>
+        <a:font script="Syrc" typeface="Estrangelo Edessa"/>
+        <a:font script="Orya" typeface="Kalinga"/>
+        <a:font script="Mlym" typeface="Kartika"/>
+        <a:font script="Laoo" typeface="DokChampa"/>
+        <a:font script="Sinh" typeface="Iskoola Pota"/>
+        <a:font script="Mong" typeface="Mongolian Baiti"/>
+        <a:font script="Viet" typeface="Arial"/>
+        <a:font script="Uigh" typeface="Microsoft Uighur"/>
+        <a:font script="Geor" typeface="Sylfaen"/>
+        <a:font script="Armn" typeface="Arial"/>
+        <a:font script="Bugi" typeface="Leelawadee UI"/>
+        <a:font script="Bopo" typeface="Microsoft JhengHei"/>
+        <a:font script="Java" typeface="Javanese Text"/>
+        <a:font script="Lisu" typeface="Segoe UI"/>
+        <a:font script="Mymr" typeface="Myanmar Text"/>
+        <a:font script="Nkoo" typeface="Ebrima"/>
+        <a:font script="Olck" typeface="Nirmala UI"/>
+        <a:font script="Osma" typeface="Ebrima"/>
+        <a:font script="Phag" typeface="Phagspa"/>
+        <a:font script="Syrn" typeface="Estrangelo Edessa"/>
+        <a:font script="Syrj" typeface="Estrangelo Edessa"/>
+        <a:font script="Syre" typeface="Estrangelo Edessa"/>
+        <a:font script="Sora" typeface="Nirmala UI"/>
+        <a:font script="Tale" typeface="Microsoft Tai Le"/>
+        <a:font script="Talu" typeface="Microsoft New Tai Lue"/>
+        <a:font script="Tfng" typeface="Ebrima"/>
+      </a:minorFont>
+    </a:fontScheme>
+    <a:fmtScheme name="Office">
+      <a:fillStyleLst>
+        <a:solidFill>
+          <a:schemeClr val="phClr"/>
+        </a:solidFill>
+        <a:gradFill rotWithShape="1">
+          <a:gsLst>
+            <a:gs pos="0">
+              <a:schemeClr val="phClr">
+                <a:lumMod val="110000"/>
+                <a:satMod val="105000"/>
+                <a:tint val="67000"/>
+              </a:schemeClr>
+            </a:gs>
+            <a:gs pos="50000">
+              <a:schemeClr val="phClr">
+                <a:lumMod val="105000"/>
+                <a:satMod val="103000"/>
+                <a:tint val="73000"/>
+              </a:schemeClr>
+            </a:gs>
+            <a:gs pos="100000">
+              <a:schemeClr val="phClr">
+                <a:lumMod val="105000"/>
+                <a:satMod val="109000"/>
+                <a:tint val="81000"/>
+              </a:schemeClr>
+            </a:gs>
+          </a:gsLst>
+          <a:lin ang="5400000" scaled="0"/>
+        </a:gradFill>
+        <a:gradFill rotWithShape="1">
+          <a:gsLst>
+            <a:gs pos="0">
+              <a:schemeClr val="phClr">
+                <a:satMod val="103000"/>
+                <a:lumMod val="102000"/>
+                <a:tint val="94000"/>
+              </a:schemeClr>
+            </a:gs>
+            <a:gs pos="50000">
+              <a:schemeClr val="phClr">
+                <a:satMod val="110000"/>
+                <a:lumMod val="100000"/>
+                <a:shade val="100000"/>
+              </a:schemeClr>
+            </a:gs>
+            <a:gs pos="100000">
+              <a:schemeClr val="phClr">
+                <a:lumMod val="99000"/>
+                <a:satMod val="120000"/>
+                <a:shade val="78000"/>
+              </a:schemeClr>
+            </a:gs>
+          </a:gsLst>
+          <a:lin ang="5400000" scaled="0"/>
+        </a:gradFill>
+      </a:fillStyleLst>
+      <a:lnStyleLst>
+        <a:ln w="6350" cap="flat" cmpd="sng" algn="ctr">
+          <a:solidFill>
+            <a:schemeClr val="phClr"/>
+          </a:solidFill>
+          <a:prstDash val="solid"/>
+          <a:miter lim="800000"/>
+        </a:ln>
+        <a:ln w="12700" cap="flat" cmpd="sng" algn="ctr">
+          <a:solidFill>
+            <a:schemeClr val="phClr"/>
+          </a:solidFill>
+          <a:prstDash val="solid"/>
+          <a:miter lim="800000"/>
+        </a:ln>
+        <a:ln w="19050" cap="flat" cmpd="sng" algn="ctr">
+          <a:solidFill>
+            <a:schemeClr val="phClr"/>
+          </a:solidFill>
+          <a:prstDash val="solid"/>
+          <a:miter lim="800000"/>
+        </a:ln>
+      </a:lnStyleLst>
+      <a:effectStyleLst>
+        <a:effectStyle>
+          <a:effectLst/>
+        </a:effectStyle>
+        <a:effectStyle>
+          <a:effectLst/>
+        </a:effectStyle>
+        <a:effectStyle>
+          <a:effectLst>
+            <a:outerShdw blurRad="57150" dist="19050" dir="5400000" algn="ctr" rotWithShape="0">
+              <a:srgbClr val="000000">
+                <a:alpha val="63000"/>
+              </a:srgbClr>
+            </a:outerShdw>
+          </a:effectLst>
+        </a:effectStyle>
+      </a:effectStyleLst>
+      <a:bgFillStyleLst>
+        <a:solidFill>
+          <a:schemeClr val="phClr"/>
+        </a:solidFill>
+        <a:solidFill>
+          <a:schemeClr val="phClr">
+            <a:tint val="95000"/>
+            <a:satMod val="170000"/>
+          </a:schemeClr>
+        </a:solidFill>
+        <a:gradFill rotWithShape="1">
+          <a:gsLst>
+            <a:gs pos="0">
+              <a:schemeClr val="phClr">
+                <a:tint val="93000"/>
+                <a:satMod val="150000"/>
+                <a:shade val="98000"/>
+                <a:lumMod val="102000"/>
+              </a:schemeClr>
+            </a:gs>
+            <a:gs pos="50000">
+              <a:schemeClr val="phClr">
+                <a:tint val="98000"/>
+                <a:satMod val="130000"/>
+                <a:shade val="90000"/>
+                <a:lumMod val="103000"/>
+              </a:schemeClr>
+            </a:gs>
+            <a:gs pos="100000">
+              <a:schemeClr val="phClr">
+                <a:shade val="63000"/>
+                <a:satMod val="120000"/>
+              </a:schemeClr>
+            </a:gs>
+          </a:gsLst>
+          <a:lin ang="5400000" scaled="0"/>
+        </a:gradFill>
+      </a:bgFillStyleLst>
+    </a:fmtScheme>
+  </a:themeElements>
+  <a:objectDefaults/>
+  <a:extraClrSchemeLst/>
+  <a:extLst>
+    <a:ext uri="{05A4C25C-085E-4340-85A3-A5531E510DB2}">
+      <thm15:themeFamily xmlns:thm15="http://schemas.microsoft.com/office/thememl/2012/main" name="Office Theme" id="{62F939B6-93AF-4DB8-9C6B-D6C7DFDC589F}" vid="{4A3C46E8-61CC-4603-A589-7422A47A8E4A}"/>
+    </a:ext>
+  </a:extLst>
+</a:theme>
 </file>
--- a/FRC 4662 Programming Intro.pptx
+++ b/FRC 4662 Programming Intro.pptx
@@ -4,20 +4,22 @@
   <p:sldMasterIdLst>
     <p:sldMasterId id="2147483648" r:id="rId1"/>
   </p:sldMasterIdLst>
-  <p:handoutMasterIdLst>
-    <p:handoutMasterId r:id="rId12"/>
-  </p:handoutMasterIdLst>
+  <p:notesMasterIdLst>
+    <p:notesMasterId r:id="rId14"/>
+  </p:notesMasterIdLst>
   <p:sldIdLst>
     <p:sldId id="256" r:id="rId2"/>
     <p:sldId id="258" r:id="rId3"/>
     <p:sldId id="259" r:id="rId4"/>
-    <p:sldId id="260" r:id="rId5"/>
-    <p:sldId id="262" r:id="rId6"/>
-    <p:sldId id="263" r:id="rId7"/>
-    <p:sldId id="261" r:id="rId8"/>
-    <p:sldId id="264" r:id="rId9"/>
-    <p:sldId id="265" r:id="rId10"/>
-    <p:sldId id="266" r:id="rId11"/>
+    <p:sldId id="267" r:id="rId5"/>
+    <p:sldId id="268" r:id="rId6"/>
+    <p:sldId id="260" r:id="rId7"/>
+    <p:sldId id="262" r:id="rId8"/>
+    <p:sldId id="263" r:id="rId9"/>
+    <p:sldId id="261" r:id="rId10"/>
+    <p:sldId id="264" r:id="rId11"/>
+    <p:sldId id="265" r:id="rId12"/>
+    <p:sldId id="266" r:id="rId13"/>
   </p:sldIdLst>
   <p:sldSz cx="12192000" cy="6858000"/>
   <p:notesSz cx="6858000" cy="9144000"/>
@@ -124,8 +126,8 @@
 </p:presentation>
 </file>
 
-<file path=ppt/handoutMasters/handoutMaster1.xml><?xml version="1.0" encoding="utf-8"?>
-<p:handoutMaster xmlns:a="http://schemas.openxmlformats.org/drawingml/2006/main" xmlns:r="http://schemas.openxmlformats.org/officeDocument/2006/relationships" xmlns:p="http://schemas.openxmlformats.org/presentationml/2006/main">
+<file path=ppt/notesMasters/notesMaster1.xml><?xml version="1.0" encoding="utf-8"?>
+<p:notesMaster xmlns:a="http://schemas.openxmlformats.org/drawingml/2006/main" xmlns:r="http://schemas.openxmlformats.org/officeDocument/2006/relationships" xmlns:p="http://schemas.openxmlformats.org/presentationml/2006/main">
   <p:cSld>
     <p:bg>
       <p:bgRef idx="1001">
@@ -184,7 +186,7 @@
             <a:spLocks noGrp="1"/>
           </p:cNvSpPr>
           <p:nvPr>
-            <p:ph type="dt" sz="quarter" idx="1"/>
+            <p:ph type="dt" idx="1"/>
           </p:nvPr>
         </p:nvSpPr>
         <p:spPr>
@@ -204,9 +206,9 @@
             </a:lvl1pPr>
           </a:lstStyle>
           <a:p>
-            <a:fld id="{C5F70D81-15DC-4899-9BD9-52BA67F9021D}" type="datetimeFigureOut">
+            <a:fld id="{94BD86EA-BF5A-45C1-B4CB-BD2637A32138}" type="datetimeFigureOut">
               <a:rPr lang="en-US" smtClean="0"/>
-              <a:t>10/16/2016</a:t>
+              <a:t>10/23/2016</a:t>
             </a:fld>
             <a:endParaRPr lang="en-US"/>
           </a:p>
@@ -214,12 +216,104 @@
       </p:sp>
       <p:sp>
         <p:nvSpPr>
-          <p:cNvPr id="4" name="Footer Placeholder 3"/>
-          <p:cNvSpPr>
-            <a:spLocks noGrp="1"/>
-          </p:cNvSpPr>
-          <p:nvPr>
-            <p:ph type="ftr" sz="quarter" idx="2"/>
+          <p:cNvPr id="4" name="Slide Image Placeholder 3"/>
+          <p:cNvSpPr>
+            <a:spLocks noGrp="1" noRot="1" noChangeAspect="1"/>
+          </p:cNvSpPr>
+          <p:nvPr>
+            <p:ph type="sldImg" idx="2"/>
+          </p:nvPr>
+        </p:nvSpPr>
+        <p:spPr>
+          <a:xfrm>
+            <a:off x="685800" y="1143000"/>
+            <a:ext cx="5486400" cy="3086100"/>
+          </a:xfrm>
+          <a:prstGeom prst="rect">
+            <a:avLst/>
+          </a:prstGeom>
+          <a:noFill/>
+          <a:ln w="12700">
+            <a:solidFill>
+              <a:prstClr val="black"/>
+            </a:solidFill>
+          </a:ln>
+        </p:spPr>
+        <p:txBody>
+          <a:bodyPr vert="horz" lIns="91440" tIns="45720" rIns="91440" bIns="45720" rtlCol="0" anchor="ctr"/>
+          <a:lstStyle/>
+          <a:p>
+            <a:endParaRPr lang="en-US"/>
+          </a:p>
+        </p:txBody>
+      </p:sp>
+      <p:sp>
+        <p:nvSpPr>
+          <p:cNvPr id="5" name="Notes Placeholder 4"/>
+          <p:cNvSpPr>
+            <a:spLocks noGrp="1"/>
+          </p:cNvSpPr>
+          <p:nvPr>
+            <p:ph type="body" sz="quarter" idx="3"/>
+          </p:nvPr>
+        </p:nvSpPr>
+        <p:spPr>
+          <a:xfrm>
+            <a:off x="685800" y="4400550"/>
+            <a:ext cx="5486400" cy="3600450"/>
+          </a:xfrm>
+          <a:prstGeom prst="rect">
+            <a:avLst/>
+          </a:prstGeom>
+        </p:spPr>
+        <p:txBody>
+          <a:bodyPr vert="horz" lIns="91440" tIns="45720" rIns="91440" bIns="45720" rtlCol="0"/>
+          <a:lstStyle/>
+          <a:p>
+            <a:pPr lvl="0"/>
+            <a:r>
+              <a:rPr lang="en-US"/>
+              <a:t>Edit Master text styles</a:t>
+            </a:r>
+          </a:p>
+          <a:p>
+            <a:pPr lvl="1"/>
+            <a:r>
+              <a:rPr lang="en-US"/>
+              <a:t>Second level</a:t>
+            </a:r>
+          </a:p>
+          <a:p>
+            <a:pPr lvl="2"/>
+            <a:r>
+              <a:rPr lang="en-US"/>
+              <a:t>Third level</a:t>
+            </a:r>
+          </a:p>
+          <a:p>
+            <a:pPr lvl="3"/>
+            <a:r>
+              <a:rPr lang="en-US"/>
+              <a:t>Fourth level</a:t>
+            </a:r>
+          </a:p>
+          <a:p>
+            <a:pPr lvl="4"/>
+            <a:r>
+              <a:rPr lang="en-US"/>
+              <a:t>Fifth level</a:t>
+            </a:r>
+          </a:p>
+        </p:txBody>
+      </p:sp>
+      <p:sp>
+        <p:nvSpPr>
+          <p:cNvPr id="6" name="Footer Placeholder 5"/>
+          <p:cNvSpPr>
+            <a:spLocks noGrp="1"/>
+          </p:cNvSpPr>
+          <p:nvPr>
+            <p:ph type="ftr" sz="quarter" idx="4"/>
           </p:nvPr>
         </p:nvSpPr>
         <p:spPr>
@@ -245,12 +339,12 @@
       </p:sp>
       <p:sp>
         <p:nvSpPr>
-          <p:cNvPr id="5" name="Slide Number Placeholder 4"/>
-          <p:cNvSpPr>
-            <a:spLocks noGrp="1"/>
-          </p:cNvSpPr>
-          <p:nvPr>
-            <p:ph type="sldNum" sz="quarter" idx="3"/>
+          <p:cNvPr id="7" name="Slide Number Placeholder 6"/>
+          <p:cNvSpPr>
+            <a:spLocks noGrp="1"/>
+          </p:cNvSpPr>
+          <p:nvPr>
+            <p:ph type="sldNum" sz="quarter" idx="5"/>
           </p:nvPr>
         </p:nvSpPr>
         <p:spPr>
@@ -270,7 +364,7 @@
             </a:lvl1pPr>
           </a:lstStyle>
           <a:p>
-            <a:fld id="{7E134A4C-57FB-4383-80C7-3E96EF8F3F78}" type="slidenum">
+            <a:fld id="{BDA0117D-FB11-4FFA-8B31-1BF948920BA9}" type="slidenum">
               <a:rPr lang="en-US" smtClean="0"/>
               <a:t>‹#›</a:t>
             </a:fld>
@@ -281,12 +375,254 @@
     </p:spTree>
     <p:extLst>
       <p:ext uri="{BB962C8B-B14F-4D97-AF65-F5344CB8AC3E}">
-        <p14:creationId xmlns:p14="http://schemas.microsoft.com/office/powerpoint/2010/main" val="1410624042"/>
+        <p14:creationId xmlns:p14="http://schemas.microsoft.com/office/powerpoint/2010/main" val="6791404"/>
       </p:ext>
     </p:extLst>
   </p:cSld>
   <p:clrMap bg1="lt1" tx1="dk1" bg2="lt2" tx2="dk2" accent1="accent1" accent2="accent2" accent3="accent3" accent4="accent4" accent5="accent5" accent6="accent6" hlink="hlink" folHlink="folHlink"/>
-</p:handoutMaster>
+  <p:notesStyle>
+    <a:lvl1pPr marL="0" algn="l" defTabSz="914400" rtl="0" eaLnBrk="1" latinLnBrk="0" hangingPunct="1">
+      <a:defRPr sz="1200" kern="1200">
+        <a:solidFill>
+          <a:schemeClr val="tx1"/>
+        </a:solidFill>
+        <a:latin typeface="+mn-lt"/>
+        <a:ea typeface="+mn-ea"/>
+        <a:cs typeface="+mn-cs"/>
+      </a:defRPr>
+    </a:lvl1pPr>
+    <a:lvl2pPr marL="457200" algn="l" defTabSz="914400" rtl="0" eaLnBrk="1" latinLnBrk="0" hangingPunct="1">
+      <a:defRPr sz="1200" kern="1200">
+        <a:solidFill>
+          <a:schemeClr val="tx1"/>
+        </a:solidFill>
+        <a:latin typeface="+mn-lt"/>
+        <a:ea typeface="+mn-ea"/>
+        <a:cs typeface="+mn-cs"/>
+      </a:defRPr>
+    </a:lvl2pPr>
+    <a:lvl3pPr marL="914400" algn="l" defTabSz="914400" rtl="0" eaLnBrk="1" latinLnBrk="0" hangingPunct="1">
+      <a:defRPr sz="1200" kern="1200">
+        <a:solidFill>
+          <a:schemeClr val="tx1"/>
+        </a:solidFill>
+        <a:latin typeface="+mn-lt"/>
+        <a:ea typeface="+mn-ea"/>
+        <a:cs typeface="+mn-cs"/>
+      </a:defRPr>
+    </a:lvl3pPr>
+    <a:lvl4pPr marL="1371600" algn="l" defTabSz="914400" rtl="0" eaLnBrk="1" latinLnBrk="0" hangingPunct="1">
+      <a:defRPr sz="1200" kern="1200">
+        <a:solidFill>
+          <a:schemeClr val="tx1"/>
+        </a:solidFill>
+        <a:latin typeface="+mn-lt"/>
+        <a:ea typeface="+mn-ea"/>
+        <a:cs typeface="+mn-cs"/>
+      </a:defRPr>
+    </a:lvl4pPr>
+    <a:lvl5pPr marL="1828800" algn="l" defTabSz="914400" rtl="0" eaLnBrk="1" latinLnBrk="0" hangingPunct="1">
+      <a:defRPr sz="1200" kern="1200">
+        <a:solidFill>
+          <a:schemeClr val="tx1"/>
+        </a:solidFill>
+        <a:latin typeface="+mn-lt"/>
+        <a:ea typeface="+mn-ea"/>
+        <a:cs typeface="+mn-cs"/>
+      </a:defRPr>
+    </a:lvl5pPr>
+    <a:lvl6pPr marL="2286000" algn="l" defTabSz="914400" rtl="0" eaLnBrk="1" latinLnBrk="0" hangingPunct="1">
+      <a:defRPr sz="1200" kern="1200">
+        <a:solidFill>
+          <a:schemeClr val="tx1"/>
+        </a:solidFill>
+        <a:latin typeface="+mn-lt"/>
+        <a:ea typeface="+mn-ea"/>
+        <a:cs typeface="+mn-cs"/>
+      </a:defRPr>
+    </a:lvl6pPr>
+    <a:lvl7pPr marL="2743200" algn="l" defTabSz="914400" rtl="0" eaLnBrk="1" latinLnBrk="0" hangingPunct="1">
+      <a:defRPr sz="1200" kern="1200">
+        <a:solidFill>
+          <a:schemeClr val="tx1"/>
+        </a:solidFill>
+        <a:latin typeface="+mn-lt"/>
+        <a:ea typeface="+mn-ea"/>
+        <a:cs typeface="+mn-cs"/>
+      </a:defRPr>
+    </a:lvl7pPr>
+    <a:lvl8pPr marL="3200400" algn="l" defTabSz="914400" rtl="0" eaLnBrk="1" latinLnBrk="0" hangingPunct="1">
+      <a:defRPr sz="1200" kern="1200">
+        <a:solidFill>
+          <a:schemeClr val="tx1"/>
+        </a:solidFill>
+        <a:latin typeface="+mn-lt"/>
+        <a:ea typeface="+mn-ea"/>
+        <a:cs typeface="+mn-cs"/>
+      </a:defRPr>
+    </a:lvl8pPr>
+    <a:lvl9pPr marL="3657600" algn="l" defTabSz="914400" rtl="0" eaLnBrk="1" latinLnBrk="0" hangingPunct="1">
+      <a:defRPr sz="1200" kern="1200">
+        <a:solidFill>
+          <a:schemeClr val="tx1"/>
+        </a:solidFill>
+        <a:latin typeface="+mn-lt"/>
+        <a:ea typeface="+mn-ea"/>
+        <a:cs typeface="+mn-cs"/>
+      </a:defRPr>
+    </a:lvl9pPr>
+  </p:notesStyle>
+</p:notesMaster>
+</file>
+
+<file path=ppt/notesSlides/notesSlide1.xml><?xml version="1.0" encoding="utf-8"?>
+<p:notes xmlns:a="http://schemas.openxmlformats.org/drawingml/2006/main" xmlns:r="http://schemas.openxmlformats.org/officeDocument/2006/relationships" xmlns:p="http://schemas.openxmlformats.org/presentationml/2006/main">
+  <p:cSld>
+    <p:spTree>
+      <p:nvGrpSpPr>
+        <p:cNvPr id="1" name=""/>
+        <p:cNvGrpSpPr/>
+        <p:nvPr/>
+      </p:nvGrpSpPr>
+      <p:grpSpPr>
+        <a:xfrm>
+          <a:off x="0" y="0"/>
+          <a:ext cx="0" cy="0"/>
+          <a:chOff x="0" y="0"/>
+          <a:chExt cx="0" cy="0"/>
+        </a:xfrm>
+      </p:grpSpPr>
+      <p:sp>
+        <p:nvSpPr>
+          <p:cNvPr id="2" name="Slide Image Placeholder 1"/>
+          <p:cNvSpPr>
+            <a:spLocks noGrp="1" noRot="1" noChangeAspect="1"/>
+          </p:cNvSpPr>
+          <p:nvPr>
+            <p:ph type="sldImg"/>
+          </p:nvPr>
+        </p:nvSpPr>
+        <p:spPr/>
+      </p:sp>
+      <p:sp>
+        <p:nvSpPr>
+          <p:cNvPr id="3" name="Notes Placeholder 2"/>
+          <p:cNvSpPr>
+            <a:spLocks noGrp="1"/>
+          </p:cNvSpPr>
+          <p:nvPr>
+            <p:ph type="body" idx="1"/>
+          </p:nvPr>
+        </p:nvSpPr>
+        <p:spPr/>
+        <p:txBody>
+          <a:bodyPr/>
+          <a:lstStyle/>
+          <a:p>
+            <a:r>
+              <a:rPr lang="en-US" dirty="0"/>
+              <a:t>Do NOT worry</a:t>
+            </a:r>
+            <a:r>
+              <a:rPr lang="en-US" baseline="0" dirty="0"/>
+              <a:t> about memorizing all the terms.  If they’re important, you’ll get them.</a:t>
+            </a:r>
+          </a:p>
+          <a:p>
+            <a:r>
+              <a:rPr lang="en-US" baseline="0" dirty="0"/>
+              <a:t>Keep reference material handy.  Bookmarks in your browser are a good thing.</a:t>
+            </a:r>
+          </a:p>
+          <a:p>
+            <a:r>
+              <a:rPr lang="en-US" baseline="0" dirty="0"/>
+              <a:t>I learn by reading or getting instruction, doing, then going back to the reading.  Iterations to reinforce and maybe direct where I need to learn more.</a:t>
+            </a:r>
+          </a:p>
+          <a:p>
+            <a:r>
+              <a:rPr lang="en-US" baseline="0" dirty="0"/>
+              <a:t>Basics are design (procedural vs. OO).</a:t>
+            </a:r>
+          </a:p>
+          <a:p>
+            <a:r>
+              <a:rPr lang="en-US" baseline="0" dirty="0"/>
+              <a:t>The hardest language I had to learn was the second one because I had to break out of designing in a language and design in concepts.</a:t>
+            </a:r>
+          </a:p>
+          <a:p>
+            <a:r>
+              <a:rPr lang="en-US" baseline="0" dirty="0"/>
+              <a:t>A recent op-ed argued that the language is not important once you have the basics.  I currently use four on a regular basis and can dig into others </a:t>
+            </a:r>
+            <a:r>
+              <a:rPr lang="en-US" baseline="0"/>
+              <a:t>if needed.</a:t>
+            </a:r>
+            <a:endParaRPr lang="en-US" baseline="0" dirty="0"/>
+          </a:p>
+          <a:p>
+            <a:r>
+              <a:rPr lang="en-US" baseline="0" dirty="0"/>
+              <a:t>Eclipse – sort of like having your </a:t>
+            </a:r>
+            <a:r>
+              <a:rPr lang="en-US" baseline="0" dirty="0" err="1"/>
+              <a:t>Engllsh</a:t>
+            </a:r>
+            <a:r>
+              <a:rPr lang="en-US" baseline="0" dirty="0"/>
+              <a:t> teacher hanging over your shoulder while you write a paper.</a:t>
+            </a:r>
+          </a:p>
+          <a:p>
+            <a:endParaRPr lang="en-US" baseline="0" dirty="0"/>
+          </a:p>
+          <a:p>
+            <a:r>
+              <a:rPr lang="en-US" baseline="0" dirty="0"/>
+              <a:t>Look at eclipse and structure code</a:t>
+            </a:r>
+            <a:endParaRPr lang="en-US" dirty="0"/>
+          </a:p>
+        </p:txBody>
+      </p:sp>
+      <p:sp>
+        <p:nvSpPr>
+          <p:cNvPr id="4" name="Slide Number Placeholder 3"/>
+          <p:cNvSpPr>
+            <a:spLocks noGrp="1"/>
+          </p:cNvSpPr>
+          <p:nvPr>
+            <p:ph type="sldNum" sz="quarter" idx="10"/>
+          </p:nvPr>
+        </p:nvSpPr>
+        <p:spPr/>
+        <p:txBody>
+          <a:bodyPr/>
+          <a:lstStyle/>
+          <a:p>
+            <a:fld id="{BDA0117D-FB11-4FFA-8B31-1BF948920BA9}" type="slidenum">
+              <a:rPr lang="en-US" smtClean="0"/>
+              <a:t>4</a:t>
+            </a:fld>
+            <a:endParaRPr lang="en-US"/>
+          </a:p>
+        </p:txBody>
+      </p:sp>
+    </p:spTree>
+    <p:extLst>
+      <p:ext uri="{BB962C8B-B14F-4D97-AF65-F5344CB8AC3E}">
+        <p14:creationId xmlns:p14="http://schemas.microsoft.com/office/powerpoint/2010/main" val="1571688785"/>
+      </p:ext>
+    </p:extLst>
+  </p:cSld>
+  <p:clrMapOvr>
+    <a:masterClrMapping/>
+  </p:clrMapOvr>
+</p:notes>
 </file>
 
 <file path=ppt/slideLayouts/slideLayout1.xml><?xml version="1.0" encoding="utf-8"?>
@@ -428,7 +764,7 @@
           <a:p>
             <a:fld id="{48A87A34-81AB-432B-8DAE-1953F412C126}" type="datetimeFigureOut">
               <a:rPr lang="en-US" dirty="0"/>
-              <a:t>10/16/2016</a:t>
+              <a:t>10/23/2016</a:t>
             </a:fld>
             <a:endParaRPr lang="en-US" dirty="0"/>
           </a:p>
@@ -634,7 +970,7 @@
           <a:p>
             <a:fld id="{48A87A34-81AB-432B-8DAE-1953F412C126}" type="datetimeFigureOut">
               <a:rPr lang="en-US" dirty="0"/>
-              <a:t>10/16/2016</a:t>
+              <a:t>10/23/2016</a:t>
             </a:fld>
             <a:endParaRPr lang="en-US" dirty="0"/>
           </a:p>
@@ -844,7 +1180,7 @@
           <a:p>
             <a:fld id="{48A87A34-81AB-432B-8DAE-1953F412C126}" type="datetimeFigureOut">
               <a:rPr lang="en-US" dirty="0"/>
-              <a:t>10/16/2016</a:t>
+              <a:t>10/23/2016</a:t>
             </a:fld>
             <a:endParaRPr lang="en-US" dirty="0"/>
           </a:p>
@@ -1040,7 +1376,7 @@
           <a:p>
             <a:fld id="{48A87A34-81AB-432B-8DAE-1953F412C126}" type="datetimeFigureOut">
               <a:rPr lang="en-US" dirty="0"/>
-              <a:t>10/16/2016</a:t>
+              <a:t>10/23/2016</a:t>
             </a:fld>
             <a:endParaRPr lang="en-US" dirty="0"/>
           </a:p>
@@ -1314,7 +1650,7 @@
           <a:p>
             <a:fld id="{48A87A34-81AB-432B-8DAE-1953F412C126}" type="datetimeFigureOut">
               <a:rPr lang="en-US" dirty="0"/>
-              <a:t>10/16/2016</a:t>
+              <a:t>10/23/2016</a:t>
             </a:fld>
             <a:endParaRPr lang="en-US" dirty="0"/>
           </a:p>
@@ -1577,7 +1913,7 @@
           <a:p>
             <a:fld id="{48A87A34-81AB-432B-8DAE-1953F412C126}" type="datetimeFigureOut">
               <a:rPr lang="en-US" dirty="0"/>
-              <a:t>10/16/2016</a:t>
+              <a:t>10/23/2016</a:t>
             </a:fld>
             <a:endParaRPr lang="en-US" dirty="0"/>
           </a:p>
@@ -1988,7 +2324,7 @@
           <a:p>
             <a:fld id="{48A87A34-81AB-432B-8DAE-1953F412C126}" type="datetimeFigureOut">
               <a:rPr lang="en-US" dirty="0"/>
-              <a:t>10/16/2016</a:t>
+              <a:t>10/23/2016</a:t>
             </a:fld>
             <a:endParaRPr lang="en-US" dirty="0"/>
           </a:p>
@@ -2132,7 +2468,7 @@
           <a:p>
             <a:fld id="{48A87A34-81AB-432B-8DAE-1953F412C126}" type="datetimeFigureOut">
               <a:rPr lang="en-US" dirty="0"/>
-              <a:t>10/16/2016</a:t>
+              <a:t>10/23/2016</a:t>
             </a:fld>
             <a:endParaRPr lang="en-US" dirty="0"/>
           </a:p>
@@ -2253,7 +2589,7 @@
           <a:p>
             <a:fld id="{48A87A34-81AB-432B-8DAE-1953F412C126}" type="datetimeFigureOut">
               <a:rPr lang="en-US" dirty="0"/>
-              <a:t>10/16/2016</a:t>
+              <a:t>10/23/2016</a:t>
             </a:fld>
             <a:endParaRPr lang="en-US" dirty="0"/>
           </a:p>
@@ -2499,7 +2835,7 @@
           <a:p>
             <a:fld id="{48A87A34-81AB-432B-8DAE-1953F412C126}" type="datetimeFigureOut">
               <a:rPr lang="en-US" dirty="0"/>
-              <a:t>10/16/2016</a:t>
+              <a:t>10/23/2016</a:t>
             </a:fld>
             <a:endParaRPr lang="en-US" dirty="0"/>
           </a:p>
@@ -2940,7 +3276,7 @@
             <a:fld id="{48A87A34-81AB-432B-8DAE-1953F412C126}" type="datetimeFigureOut">
               <a:rPr lang="en-US" dirty="0"/>
               <a:pPr/>
-              <a:t>10/16/2016</a:t>
+              <a:t>10/23/2016</a:t>
             </a:fld>
             <a:endParaRPr lang="en-US" dirty="0"/>
           </a:p>
@@ -3262,7 +3598,7 @@
             <a:fld id="{48A87A34-81AB-432B-8DAE-1953F412C126}" type="datetimeFigureOut">
               <a:rPr lang="en-US" dirty="0"/>
               <a:pPr/>
-              <a:t>10/16/2016</a:t>
+              <a:t>10/23/2016</a:t>
             </a:fld>
             <a:endParaRPr lang="en-US" dirty="0"/>
           </a:p>
@@ -3787,7 +4123,7 @@
             </a:r>
             <a:r>
               <a:rPr lang="en-US"/>
-              <a:t>Why (HOW Later)</a:t>
+              <a:t>Why ( HOW Later)</a:t>
             </a:r>
             <a:endParaRPr lang="en-US" dirty="0"/>
           </a:p>
@@ -3807,6 +4143,457 @@
 </file>
 
 <file path=ppt/slides/slide10.xml><?xml version="1.0" encoding="utf-8"?>
+<p:sld xmlns:a="http://schemas.openxmlformats.org/drawingml/2006/main" xmlns:r="http://schemas.openxmlformats.org/officeDocument/2006/relationships" xmlns:p="http://schemas.openxmlformats.org/presentationml/2006/main">
+  <p:cSld>
+    <p:spTree>
+      <p:nvGrpSpPr>
+        <p:cNvPr id="1" name=""/>
+        <p:cNvGrpSpPr/>
+        <p:nvPr/>
+      </p:nvGrpSpPr>
+      <p:grpSpPr>
+        <a:xfrm>
+          <a:off x="0" y="0"/>
+          <a:ext cx="0" cy="0"/>
+          <a:chOff x="0" y="0"/>
+          <a:chExt cx="0" cy="0"/>
+        </a:xfrm>
+      </p:grpSpPr>
+      <p:sp>
+        <p:nvSpPr>
+          <p:cNvPr id="2" name="Title 1"/>
+          <p:cNvSpPr>
+            <a:spLocks noGrp="1"/>
+          </p:cNvSpPr>
+          <p:nvPr>
+            <p:ph type="title"/>
+          </p:nvPr>
+        </p:nvSpPr>
+        <p:spPr>
+          <a:xfrm>
+            <a:off x="1451579" y="804519"/>
+            <a:ext cx="9603275" cy="800997"/>
+          </a:xfrm>
+        </p:spPr>
+        <p:txBody>
+          <a:bodyPr/>
+          <a:lstStyle/>
+          <a:p>
+            <a:r>
+              <a:rPr lang="en-US" dirty="0"/>
+              <a:t>Drive - PIDLing2gyro</a:t>
+            </a:r>
+          </a:p>
+        </p:txBody>
+      </p:sp>
+      <p:sp>
+        <p:nvSpPr>
+          <p:cNvPr id="3" name="Content Placeholder 2"/>
+          <p:cNvSpPr>
+            <a:spLocks noGrp="1"/>
+          </p:cNvSpPr>
+          <p:nvPr>
+            <p:ph idx="1"/>
+          </p:nvPr>
+        </p:nvSpPr>
+        <p:spPr>
+          <a:xfrm>
+            <a:off x="1451579" y="1796902"/>
+            <a:ext cx="9603275" cy="4327451"/>
+          </a:xfrm>
+        </p:spPr>
+        <p:txBody>
+          <a:bodyPr>
+            <a:normAutofit lnSpcReduction="10000"/>
+          </a:bodyPr>
+          <a:lstStyle/>
+          <a:p>
+            <a:r>
+              <a:rPr lang="en-US" dirty="0"/>
+              <a:t>Command Based</a:t>
+            </a:r>
+          </a:p>
+          <a:p>
+            <a:r>
+              <a:rPr lang="en-US" dirty="0"/>
+              <a:t>Pre “Best Practices” (as delivered from FRC provided </a:t>
+            </a:r>
+            <a:r>
+              <a:rPr lang="en-US" dirty="0" err="1"/>
+              <a:t>RobotBuilder</a:t>
+            </a:r>
+            <a:r>
+              <a:rPr lang="en-US" dirty="0"/>
+              <a:t>)</a:t>
+            </a:r>
+          </a:p>
+          <a:p>
+            <a:r>
+              <a:rPr lang="en-US" dirty="0"/>
+              <a:t>PID Encoder control using Talon SRX connected on Right side drive</a:t>
+            </a:r>
+          </a:p>
+          <a:p>
+            <a:r>
+              <a:rPr lang="en-US" dirty="0"/>
+              <a:t>Gyro read – not incorporated into drive</a:t>
+            </a:r>
+          </a:p>
+          <a:p>
+            <a:r>
+              <a:rPr lang="en-US"/>
+              <a:t>Needs Work</a:t>
+            </a:r>
+            <a:r>
+              <a:rPr lang="en-US" dirty="0"/>
+              <a:t>–</a:t>
+            </a:r>
+            <a:r>
+              <a:rPr lang="en-US"/>
+              <a:t> More Exercises</a:t>
+            </a:r>
+            <a:endParaRPr lang="en-US" dirty="0"/>
+          </a:p>
+          <a:p>
+            <a:pPr lvl="1"/>
+            <a:r>
+              <a:rPr lang="en-US" dirty="0"/>
+              <a:t>PID Encoder control of both Left and Right drive for distance</a:t>
+            </a:r>
+          </a:p>
+          <a:p>
+            <a:pPr lvl="1"/>
+            <a:r>
+              <a:rPr lang="en-US" dirty="0"/>
+              <a:t>PID Gyro control of Left and Right drive for heading (self-steering)</a:t>
+            </a:r>
+          </a:p>
+          <a:p>
+            <a:pPr lvl="1"/>
+            <a:r>
+              <a:rPr lang="en-US" dirty="0"/>
+              <a:t>HINT – </a:t>
+            </a:r>
+            <a:r>
+              <a:rPr lang="en-US" dirty="0" err="1"/>
+              <a:t>Nutron</a:t>
+            </a:r>
+            <a:r>
+              <a:rPr lang="en-US" dirty="0"/>
+              <a:t> code base does this and a lot more (link from Chief Delphi to </a:t>
+            </a:r>
+            <a:r>
+              <a:rPr lang="en-US" dirty="0" err="1"/>
+              <a:t>Github</a:t>
+            </a:r>
+            <a:r>
+              <a:rPr lang="en-US" dirty="0"/>
+              <a:t>)</a:t>
+            </a:r>
+          </a:p>
+          <a:p>
+            <a:pPr lvl="1"/>
+            <a:r>
+              <a:rPr lang="en-US" dirty="0" err="1"/>
+              <a:t>isStuck</a:t>
+            </a:r>
+            <a:r>
+              <a:rPr lang="en-US" dirty="0"/>
+              <a:t>/</a:t>
+            </a:r>
+            <a:r>
+              <a:rPr lang="en-US" dirty="0" err="1"/>
+              <a:t>inTrouble</a:t>
+            </a:r>
+            <a:r>
+              <a:rPr lang="en-US" dirty="0"/>
+              <a:t> methods</a:t>
+            </a:r>
+          </a:p>
+          <a:p>
+            <a:pPr lvl="1"/>
+            <a:r>
+              <a:rPr lang="en-US" dirty="0"/>
+              <a:t>Got</a:t>
+            </a:r>
+            <a:r>
+              <a:rPr lang="en-US"/>
+              <a:t> Stuck? Handle overloads / drive errors for autonomous</a:t>
+            </a:r>
+            <a:endParaRPr lang="en-US" dirty="0"/>
+          </a:p>
+        </p:txBody>
+      </p:sp>
+    </p:spTree>
+    <p:extLst>
+      <p:ext uri="{BB962C8B-B14F-4D97-AF65-F5344CB8AC3E}">
+        <p14:creationId xmlns:p14="http://schemas.microsoft.com/office/powerpoint/2010/main" val="1613367903"/>
+      </p:ext>
+    </p:extLst>
+  </p:cSld>
+  <p:clrMapOvr>
+    <a:masterClrMapping/>
+  </p:clrMapOvr>
+</p:sld>
+</file>
+
+<file path=ppt/slides/slide11.xml><?xml version="1.0" encoding="utf-8"?>
+<p:sld xmlns:a="http://schemas.openxmlformats.org/drawingml/2006/main" xmlns:r="http://schemas.openxmlformats.org/officeDocument/2006/relationships" xmlns:p="http://schemas.openxmlformats.org/presentationml/2006/main">
+  <p:cSld>
+    <p:spTree>
+      <p:nvGrpSpPr>
+        <p:cNvPr id="1" name=""/>
+        <p:cNvGrpSpPr/>
+        <p:nvPr/>
+      </p:nvGrpSpPr>
+      <p:grpSpPr>
+        <a:xfrm>
+          <a:off x="0" y="0"/>
+          <a:ext cx="0" cy="0"/>
+          <a:chOff x="0" y="0"/>
+          <a:chExt cx="0" cy="0"/>
+        </a:xfrm>
+      </p:grpSpPr>
+      <p:sp>
+        <p:nvSpPr>
+          <p:cNvPr id="2" name="TextBox 1"/>
+          <p:cNvSpPr txBox="1"/>
+          <p:nvPr/>
+        </p:nvSpPr>
+        <p:spPr>
+          <a:xfrm>
+            <a:off x="478466" y="350875"/>
+            <a:ext cx="7811241" cy="5909310"/>
+          </a:xfrm>
+          <a:prstGeom prst="rect">
+            <a:avLst/>
+          </a:prstGeom>
+          <a:noFill/>
+        </p:spPr>
+        <p:txBody>
+          <a:bodyPr wrap="none" rtlCol="0">
+            <a:spAutoFit/>
+          </a:bodyPr>
+          <a:lstStyle/>
+          <a:p>
+            <a:r>
+              <a:rPr lang="en-US" dirty="0"/>
+              <a:t>Shopping</a:t>
+            </a:r>
+          </a:p>
+          <a:p>
+            <a:endParaRPr lang="en-US" dirty="0"/>
+          </a:p>
+          <a:p>
+            <a:r>
+              <a:rPr lang="en-US" dirty="0" err="1"/>
+              <a:t>AndyMark</a:t>
+            </a:r>
+            <a:r>
+              <a:rPr lang="en-US" dirty="0"/>
+              <a:t> </a:t>
+            </a:r>
+            <a:r>
+              <a:rPr lang="en-US" dirty="0">
+                <a:hlinkClick r:id="rId2"/>
+              </a:rPr>
+              <a:t>http://www.andymark.com/Default.asp</a:t>
+            </a:r>
+            <a:endParaRPr lang="en-US" dirty="0"/>
+          </a:p>
+          <a:p>
+            <a:r>
+              <a:rPr lang="en-US" dirty="0"/>
+              <a:t>	FRC major supplier</a:t>
+            </a:r>
+          </a:p>
+          <a:p>
+            <a:r>
+              <a:rPr lang="en-US" dirty="0"/>
+              <a:t>Cross The Road Electronics </a:t>
+            </a:r>
+            <a:r>
+              <a:rPr lang="en-US" dirty="0">
+                <a:hlinkClick r:id="rId3"/>
+              </a:rPr>
+              <a:t>http://www.ctr-electronics.com/</a:t>
+            </a:r>
+            <a:endParaRPr lang="en-US" dirty="0"/>
+          </a:p>
+          <a:p>
+            <a:r>
+              <a:rPr lang="en-US" dirty="0"/>
+              <a:t>	FRC custom electronics</a:t>
+            </a:r>
+          </a:p>
+          <a:p>
+            <a:r>
+              <a:rPr lang="en-US" dirty="0"/>
+              <a:t>VEX Robotics </a:t>
+            </a:r>
+            <a:r>
+              <a:rPr lang="en-US" dirty="0">
+                <a:hlinkClick r:id="rId4"/>
+              </a:rPr>
+              <a:t>http://www.vexrobotics.com/vexpro</a:t>
+            </a:r>
+            <a:endParaRPr lang="en-US" dirty="0"/>
+          </a:p>
+          <a:p>
+            <a:r>
+              <a:rPr lang="en-US" dirty="0"/>
+              <a:t>	FRC drive parts and electronics</a:t>
+            </a:r>
+          </a:p>
+          <a:p>
+            <a:r>
+              <a:rPr lang="en-US" dirty="0"/>
+              <a:t>Digi-key </a:t>
+            </a:r>
+            <a:r>
+              <a:rPr lang="en-US" dirty="0">
+                <a:hlinkClick r:id="rId5"/>
+              </a:rPr>
+              <a:t>http://www.digikey.com/en</a:t>
+            </a:r>
+            <a:endParaRPr lang="en-US" dirty="0"/>
+          </a:p>
+          <a:p>
+            <a:r>
+              <a:rPr lang="en-US" dirty="0"/>
+              <a:t>	electronics and connectors (voucher)</a:t>
+            </a:r>
+          </a:p>
+          <a:p>
+            <a:r>
+              <a:rPr lang="en-US" dirty="0"/>
+              <a:t>Mouser </a:t>
+            </a:r>
+            <a:r>
+              <a:rPr lang="en-US" dirty="0">
+                <a:hlinkClick r:id="rId6"/>
+              </a:rPr>
+              <a:t>http://www.mouser.com/</a:t>
+            </a:r>
+            <a:endParaRPr lang="en-US" dirty="0"/>
+          </a:p>
+          <a:p>
+            <a:r>
+              <a:rPr lang="en-US" dirty="0"/>
+              <a:t>	electronics and connectors</a:t>
+            </a:r>
+          </a:p>
+          <a:p>
+            <a:r>
+              <a:rPr lang="en-US" dirty="0"/>
+              <a:t>Amazon </a:t>
+            </a:r>
+            <a:r>
+              <a:rPr lang="en-US" dirty="0">
+                <a:hlinkClick r:id="rId7"/>
+              </a:rPr>
+              <a:t>http://amazon.com</a:t>
+            </a:r>
+            <a:endParaRPr lang="en-US" dirty="0"/>
+          </a:p>
+          <a:p>
+            <a:r>
+              <a:rPr lang="en-US" dirty="0"/>
+              <a:t>	learn to search (potentiometers, bearings, rod ends, etc.)</a:t>
+            </a:r>
+          </a:p>
+          <a:p>
+            <a:r>
+              <a:rPr lang="en-US" dirty="0"/>
+              <a:t>eBay </a:t>
+            </a:r>
+            <a:r>
+              <a:rPr lang="en-US" dirty="0">
+                <a:hlinkClick r:id="rId8"/>
+              </a:rPr>
+              <a:t>http://ebay.com</a:t>
+            </a:r>
+            <a:endParaRPr lang="en-US" dirty="0"/>
+          </a:p>
+          <a:p>
+            <a:r>
+              <a:rPr lang="en-US" dirty="0"/>
+              <a:t>	learn to search (linear actuators,  Anderson </a:t>
+            </a:r>
+            <a:r>
+              <a:rPr lang="en-US" dirty="0" err="1"/>
+              <a:t>powerpole</a:t>
+            </a:r>
+            <a:r>
+              <a:rPr lang="en-US" dirty="0"/>
+              <a:t>, etc.)</a:t>
+            </a:r>
+          </a:p>
+          <a:p>
+            <a:r>
+              <a:rPr lang="en-US" dirty="0"/>
+              <a:t>Hansen Hobbies </a:t>
+            </a:r>
+            <a:r>
+              <a:rPr lang="en-US" dirty="0">
+                <a:hlinkClick r:id="rId9"/>
+              </a:rPr>
+              <a:t>http://www.hansenhobbies.com/</a:t>
+            </a:r>
+            <a:endParaRPr lang="en-US" dirty="0"/>
+          </a:p>
+          <a:p>
+            <a:r>
+              <a:rPr lang="en-US" dirty="0"/>
+              <a:t>	bulk PWM cable parts</a:t>
+            </a:r>
+          </a:p>
+          <a:p>
+            <a:r>
+              <a:rPr lang="en-US" dirty="0"/>
+              <a:t>Surplus Gizmos </a:t>
+            </a:r>
+            <a:r>
+              <a:rPr lang="en-US" dirty="0">
+                <a:hlinkClick r:id="rId10"/>
+              </a:rPr>
+              <a:t>http://www.surplusgizmos.com/</a:t>
+            </a:r>
+            <a:endParaRPr lang="en-US" dirty="0"/>
+          </a:p>
+          <a:p>
+            <a:r>
+              <a:rPr lang="en-US" dirty="0"/>
+              <a:t>	surplus electronics and tech parts shop in </a:t>
+            </a:r>
+            <a:r>
+              <a:rPr lang="en-US" dirty="0" err="1"/>
+              <a:t>Hillboro</a:t>
+            </a:r>
+            <a:r>
+              <a:rPr lang="en-US" dirty="0"/>
+              <a:t> (on Cornelius Pass Road)</a:t>
+            </a:r>
+          </a:p>
+          <a:p>
+            <a:endParaRPr lang="en-US" dirty="0"/>
+          </a:p>
+        </p:txBody>
+      </p:sp>
+    </p:spTree>
+    <p:extLst>
+      <p:ext uri="{BB962C8B-B14F-4D97-AF65-F5344CB8AC3E}">
+        <p14:creationId xmlns:p14="http://schemas.microsoft.com/office/powerpoint/2010/main" val="2753434905"/>
+      </p:ext>
+    </p:extLst>
+  </p:cSld>
+  <p:clrMapOvr>
+    <a:masterClrMapping/>
+  </p:clrMapOvr>
+</p:sld>
+</file>
+
+<file path=ppt/slides/slide12.xml><?xml version="1.0" encoding="utf-8"?>
 <p:sld xmlns:a="http://schemas.openxmlformats.org/drawingml/2006/main" xmlns:r="http://schemas.openxmlformats.org/officeDocument/2006/relationships" xmlns:p="http://schemas.openxmlformats.org/presentationml/2006/main">
   <p:cSld>
     <p:spTree>
@@ -4273,7 +5060,7 @@
           <a:p>
             <a:r>
               <a:rPr lang="en-US" dirty="0"/>
-              <a:t>	used on Arduino – runs the LED string on the Competition Robot</a:t>
+              <a:t>	used on Arduino – runs the LED string that was on the Competition Robot</a:t>
             </a:r>
           </a:p>
           <a:p>
@@ -4397,14 +5184,14 @@
       </p:grpSpPr>
       <p:sp>
         <p:nvSpPr>
-          <p:cNvPr id="4" name="TextBox 3"/>
+          <p:cNvPr id="2" name="TextBox 1"/>
           <p:cNvSpPr txBox="1"/>
           <p:nvPr/>
         </p:nvSpPr>
         <p:spPr>
           <a:xfrm>
-            <a:off x="446567" y="361507"/>
-            <a:ext cx="6610336" cy="5878532"/>
+            <a:off x="478465" y="297712"/>
+            <a:ext cx="11435695" cy="5909310"/>
           </a:xfrm>
           <a:prstGeom prst="rect">
             <a:avLst/>
@@ -4418,170 +5205,141 @@
           <a:lstStyle/>
           <a:p>
             <a:r>
-              <a:rPr lang="en-US" dirty="0"/>
-              <a:t>Summer Learning - Test Robot Electronics</a:t>
-            </a:r>
-          </a:p>
-          <a:p>
-            <a:endParaRPr lang="en-US" dirty="0"/>
-          </a:p>
-          <a:p>
-            <a:r>
-              <a:rPr lang="en-US" sz="1400" dirty="0"/>
-              <a:t>Goals</a:t>
-            </a:r>
-          </a:p>
-          <a:p>
-            <a:r>
-              <a:rPr lang="en-US" sz="1400" dirty="0"/>
-              <a:t>	Learn PID control coding mechanisms</a:t>
-            </a:r>
-          </a:p>
-          <a:p>
-            <a:r>
-              <a:rPr lang="en-US" sz="1400" dirty="0"/>
-              <a:t>	Work on OO and Better Practices</a:t>
-            </a:r>
-          </a:p>
-          <a:p>
-            <a:endParaRPr lang="en-US" sz="1400" dirty="0"/>
-          </a:p>
-          <a:p>
-            <a:r>
-              <a:rPr lang="en-US" sz="1400" dirty="0"/>
-              <a:t>Actuators</a:t>
-            </a:r>
-          </a:p>
-          <a:p>
-            <a:r>
-              <a:rPr lang="en-US" sz="1400" dirty="0"/>
-              <a:t>	Motors and gearboxes for drive system</a:t>
-            </a:r>
-          </a:p>
-          <a:p>
-            <a:r>
-              <a:rPr lang="en-US" sz="1400" dirty="0"/>
-              <a:t>	Linear Actuator (motorized screw jack)</a:t>
-            </a:r>
-          </a:p>
-          <a:p>
-            <a:endParaRPr lang="en-US" sz="1400" dirty="0"/>
-          </a:p>
-          <a:p>
-            <a:r>
-              <a:rPr lang="en-US" sz="1400" dirty="0"/>
-              <a:t>Speed Controllers</a:t>
-            </a:r>
-          </a:p>
-          <a:p>
-            <a:r>
-              <a:rPr lang="en-US" sz="1400" dirty="0"/>
-              <a:t>	Talon SRX (CTRE)</a:t>
-            </a:r>
-          </a:p>
-          <a:p>
-            <a:r>
-              <a:rPr lang="en-US" sz="1400" dirty="0"/>
-              <a:t>	Talon (now obsolete, available as a discontinued item)</a:t>
-            </a:r>
-          </a:p>
-          <a:p>
-            <a:endParaRPr lang="en-US" sz="1400" dirty="0"/>
-          </a:p>
-          <a:p>
-            <a:r>
-              <a:rPr lang="en-US" sz="1400" dirty="0"/>
-              <a:t>Sensors</a:t>
-            </a:r>
-          </a:p>
-          <a:p>
-            <a:r>
-              <a:rPr lang="en-US" sz="1400" dirty="0"/>
-              <a:t>	Quadrature Encoder</a:t>
-            </a:r>
-          </a:p>
-          <a:p>
-            <a:r>
-              <a:rPr lang="en-US" sz="1400" dirty="0"/>
-              <a:t>		reads rotation speed, distance, and direction</a:t>
-            </a:r>
-          </a:p>
-          <a:p>
-            <a:r>
-              <a:rPr lang="en-US" sz="1400" dirty="0"/>
-              <a:t>		</a:t>
-            </a:r>
-            <a:r>
-              <a:rPr lang="en-US" sz="1400" dirty="0">
-                <a:hlinkClick r:id="rId2"/>
-              </a:rPr>
-              <a:t>http://www.digikey.com/product-detail/en/AMT102-V/102-1307-ND/827015</a:t>
-            </a:r>
-            <a:endParaRPr lang="en-US" sz="1400" dirty="0"/>
-          </a:p>
-          <a:p>
-            <a:r>
-              <a:rPr lang="en-US" sz="1400" dirty="0"/>
-              <a:t>	Potentiometer</a:t>
-            </a:r>
-          </a:p>
-          <a:p>
-            <a:r>
-              <a:rPr lang="en-US" sz="1400" dirty="0"/>
-              <a:t>		reads position on a rotary scale</a:t>
-            </a:r>
-          </a:p>
-          <a:p>
-            <a:r>
-              <a:rPr lang="en-US" sz="1400" dirty="0"/>
-              <a:t>		can be adapted to a linear scale with a “string” potentiometer</a:t>
-            </a:r>
-          </a:p>
-          <a:p>
-            <a:r>
-              <a:rPr lang="en-US" sz="1400" dirty="0"/>
-              <a:t>		amazon.com search on linear potentiometer 10k</a:t>
-            </a:r>
-          </a:p>
-          <a:p>
-            <a:r>
-              <a:rPr lang="en-US" sz="1400" dirty="0"/>
-              <a:t>	Limit Switches</a:t>
-            </a:r>
-          </a:p>
-          <a:p>
-            <a:r>
-              <a:rPr lang="en-US" sz="1400" dirty="0"/>
-              <a:t>		</a:t>
-            </a:r>
-            <a:r>
-              <a:rPr lang="en-US" sz="1400" dirty="0" err="1"/>
-              <a:t>AndyMark</a:t>
-            </a:r>
-            <a:endParaRPr lang="en-US" sz="1400" dirty="0"/>
-          </a:p>
-          <a:p>
-            <a:r>
-              <a:rPr lang="en-US" sz="1400" dirty="0"/>
-              <a:t>		</a:t>
-            </a:r>
-            <a:r>
-              <a:rPr lang="en-US" sz="1400" dirty="0">
-                <a:hlinkClick r:id="rId3"/>
-              </a:rPr>
-              <a:t>http://www.andymark.com/</a:t>
-            </a:r>
-            <a:endParaRPr lang="en-US" sz="1400" dirty="0"/>
-          </a:p>
-          <a:p>
-            <a:endParaRPr lang="en-US" dirty="0"/>
+              <a:rPr lang="en-US" b="1" dirty="0"/>
+              <a:t>Java</a:t>
+            </a:r>
+          </a:p>
+          <a:p>
+            <a:r>
+              <a:rPr lang="en-US" dirty="0"/>
+              <a:t>	Object oriented</a:t>
+            </a:r>
+          </a:p>
+          <a:p>
+            <a:r>
+              <a:rPr lang="en-US" dirty="0"/>
+              <a:t>	“Class” blueprints or provides a framework that can be used to define an object.</a:t>
+            </a:r>
+          </a:p>
+          <a:p>
+            <a:r>
+              <a:rPr lang="en-US" dirty="0"/>
+              <a:t>	Each Class has Methods to define functions for the object.</a:t>
+            </a:r>
+          </a:p>
+          <a:p>
+            <a:r>
+              <a:rPr lang="en-US" dirty="0"/>
+              <a:t>		Instantiation Method(s) to initialize </a:t>
+            </a:r>
+          </a:p>
+          <a:p>
+            <a:r>
+              <a:rPr lang="en-US" dirty="0"/>
+              <a:t>		Multiples methods can be defined with the same name, their specific “signature” is defined by the parameters</a:t>
+            </a:r>
+          </a:p>
+          <a:p>
+            <a:r>
+              <a:rPr lang="en-US" dirty="0"/>
+              <a:t>			used as input.  This is called “overloading”.</a:t>
+            </a:r>
+          </a:p>
+          <a:p>
+            <a:r>
+              <a:rPr lang="en-US" dirty="0"/>
+              <a:t>	Syntax is similar to C++ but simpler (which is one of the design goals).  Actually similar to many </a:t>
+            </a:r>
+            <a:r>
+              <a:rPr lang="en-US" dirty="0" err="1"/>
+              <a:t>langues</a:t>
+            </a:r>
+            <a:r>
+              <a:rPr lang="en-US" dirty="0"/>
+              <a:t> (Algol, PL/1)</a:t>
+            </a:r>
+          </a:p>
+          <a:p>
+            <a:r>
+              <a:rPr lang="en-US" dirty="0"/>
+              <a:t>	We’ll discuss key features as we look at sample code.</a:t>
+            </a:r>
+          </a:p>
+          <a:p>
+            <a:r>
+              <a:rPr lang="en-US" dirty="0"/>
+              <a:t>	Java uses “strong typing” which means each variable has to be declared to a type before being assigned.</a:t>
+            </a:r>
+          </a:p>
+          <a:p>
+            <a:r>
+              <a:rPr lang="en-US" dirty="0"/>
+              <a:t>	Native types include things like “Integer”, “Double”, “Char”, and “Boolean”.  There are others.</a:t>
+            </a:r>
+          </a:p>
+          <a:p>
+            <a:r>
+              <a:rPr lang="en-US" dirty="0"/>
+              <a:t>	An object is a type and has to be declared and then assigned (instantiated) before being referenced.</a:t>
+            </a:r>
+          </a:p>
+          <a:p>
+            <a:endParaRPr lang="en-US" dirty="0"/>
+          </a:p>
+          <a:p>
+            <a:r>
+              <a:rPr lang="en-US" dirty="0"/>
+              <a:t>Common things</a:t>
+            </a:r>
+          </a:p>
+          <a:p>
+            <a:r>
+              <a:rPr lang="en-US" dirty="0"/>
+              <a:t>	an “=“ is used to assign values to variables.  The variable name appears on the left and the value on the right.</a:t>
+            </a:r>
+          </a:p>
+          <a:p>
+            <a:r>
+              <a:rPr lang="en-US" dirty="0"/>
+              <a:t>	Curly braces are used to bracket major structures like Class, Method, If/Then/Else, Do loops,, etc.</a:t>
+            </a:r>
+          </a:p>
+          <a:p>
+            <a:r>
+              <a:rPr lang="en-US" dirty="0"/>
+              <a:t>	Each line must end with a semi-colon “;”.</a:t>
+            </a:r>
+          </a:p>
+          <a:p>
+            <a:r>
+              <a:rPr lang="en-US" dirty="0"/>
+              <a:t>	Comments can be either double slashes “//” at the front of the line or wrapped “/*” to start and “*/” to end.  </a:t>
+            </a:r>
+          </a:p>
+          <a:p>
+            <a:r>
+              <a:rPr lang="en-US" dirty="0"/>
+              <a:t>	Eclipse does a lot of syntax, variable name, and method parameter validation as you type.</a:t>
+            </a:r>
+          </a:p>
+          <a:p>
+            <a:r>
+              <a:rPr lang="en-US" dirty="0"/>
+              <a:t>	There are also many Conventions or Standards that will help identify things like the type and context of a variable</a:t>
+            </a:r>
+          </a:p>
+          <a:p>
+            <a:r>
+              <a:rPr lang="en-US" dirty="0"/>
+              <a:t>		name.  You will see these violated in pretty much all the code you see as examples.</a:t>
+            </a:r>
           </a:p>
         </p:txBody>
       </p:sp>
     </p:spTree>
     <p:extLst>
       <p:ext uri="{BB962C8B-B14F-4D97-AF65-F5344CB8AC3E}">
-        <p14:creationId xmlns:p14="http://schemas.microsoft.com/office/powerpoint/2010/main" val="1126476661"/>
+        <p14:creationId xmlns:p14="http://schemas.microsoft.com/office/powerpoint/2010/main" val="2969502682"/>
       </p:ext>
     </p:extLst>
   </p:cSld>
@@ -4610,6 +5368,498 @@
       </p:grpSpPr>
       <p:sp>
         <p:nvSpPr>
+          <p:cNvPr id="2" name="TextBox 1"/>
+          <p:cNvSpPr txBox="1"/>
+          <p:nvPr/>
+        </p:nvSpPr>
+        <p:spPr>
+          <a:xfrm>
+            <a:off x="440267" y="304800"/>
+            <a:ext cx="10739158" cy="5909310"/>
+          </a:xfrm>
+          <a:prstGeom prst="rect">
+            <a:avLst/>
+          </a:prstGeom>
+          <a:noFill/>
+        </p:spPr>
+        <p:txBody>
+          <a:bodyPr wrap="none" rtlCol="0">
+            <a:spAutoFit/>
+          </a:bodyPr>
+          <a:lstStyle/>
+          <a:p>
+            <a:r>
+              <a:rPr lang="en-US" b="1" dirty="0"/>
+              <a:t>Robot Code in Java</a:t>
+            </a:r>
+          </a:p>
+          <a:p>
+            <a:endParaRPr lang="en-US" dirty="0"/>
+          </a:p>
+          <a:p>
+            <a:r>
+              <a:rPr lang="en-US" dirty="0"/>
+              <a:t>FRC provides some designs for the code as classes in the </a:t>
+            </a:r>
+            <a:r>
+              <a:rPr lang="en-US" dirty="0" err="1"/>
+              <a:t>wpilib</a:t>
+            </a:r>
+            <a:r>
+              <a:rPr lang="en-US" dirty="0"/>
+              <a:t> plug-in to Eclipse</a:t>
+            </a:r>
+          </a:p>
+          <a:p>
+            <a:endParaRPr lang="en-US" dirty="0"/>
+          </a:p>
+          <a:p>
+            <a:r>
+              <a:rPr lang="en-US" dirty="0"/>
+              <a:t>We’ve been using “Command Based” design</a:t>
+            </a:r>
+          </a:p>
+          <a:p>
+            <a:r>
+              <a:rPr lang="en-US" dirty="0"/>
+              <a:t>	powerful structure</a:t>
+            </a:r>
+          </a:p>
+          <a:p>
+            <a:r>
+              <a:rPr lang="en-US" dirty="0"/>
+              <a:t>	starter version generated by </a:t>
+            </a:r>
+            <a:r>
+              <a:rPr lang="en-US" dirty="0" err="1"/>
+              <a:t>RobotBuilder</a:t>
+            </a:r>
+            <a:endParaRPr lang="en-US" dirty="0"/>
+          </a:p>
+          <a:p>
+            <a:r>
+              <a:rPr lang="en-US" dirty="0"/>
+              <a:t>	can be built directly in Eclipse as FRC command types are added by the plug-in</a:t>
+            </a:r>
+          </a:p>
+          <a:p>
+            <a:r>
+              <a:rPr lang="en-US" dirty="0"/>
+              <a:t>	Commands are Scheduled to invoke Methods for Subsystems</a:t>
+            </a:r>
+          </a:p>
+          <a:p>
+            <a:r>
+              <a:rPr lang="en-US" dirty="0"/>
+              <a:t>		e.g. pressing the trigger on the joystick schedules a command to shoot the ball</a:t>
+            </a:r>
+          </a:p>
+          <a:p>
+            <a:r>
+              <a:rPr lang="en-US" dirty="0"/>
+              <a:t>	</a:t>
+            </a:r>
+          </a:p>
+          <a:p>
+            <a:r>
+              <a:rPr lang="en-US" dirty="0"/>
+              <a:t>Another design called Sample Robot (</a:t>
+            </a:r>
+            <a:r>
+              <a:rPr lang="en-US" dirty="0" err="1"/>
+              <a:t>SampleRobot</a:t>
+            </a:r>
+            <a:r>
+              <a:rPr lang="en-US" dirty="0"/>
+              <a:t>) is used for much of the provided sample code provided with</a:t>
+            </a:r>
+          </a:p>
+          <a:p>
+            <a:r>
+              <a:rPr lang="en-US" dirty="0"/>
+              <a:t>	the </a:t>
+            </a:r>
+            <a:r>
+              <a:rPr lang="en-US" dirty="0" err="1"/>
+              <a:t>wpilib</a:t>
+            </a:r>
+            <a:r>
+              <a:rPr lang="en-US" dirty="0"/>
+              <a:t> extensions.</a:t>
+            </a:r>
+          </a:p>
+          <a:p>
+            <a:endParaRPr lang="en-US" dirty="0"/>
+          </a:p>
+          <a:p>
+            <a:r>
+              <a:rPr lang="en-US" dirty="0"/>
+              <a:t>Eclipse – explore</a:t>
+            </a:r>
+          </a:p>
+          <a:p>
+            <a:r>
+              <a:rPr lang="en-US" dirty="0"/>
+              <a:t>	Configuring for FRC	</a:t>
+            </a:r>
+          </a:p>
+          <a:p>
+            <a:r>
+              <a:rPr lang="en-US" dirty="0"/>
+              <a:t>	Look at some sample code</a:t>
+            </a:r>
+          </a:p>
+          <a:p>
+            <a:r>
+              <a:rPr lang="en-US" dirty="0"/>
+              <a:t>		Robot is an object</a:t>
+            </a:r>
+          </a:p>
+          <a:p>
+            <a:r>
+              <a:rPr lang="en-US" dirty="0"/>
+              <a:t>		States are Instantiation, Initialization, Disabled, Autonomous, </a:t>
+            </a:r>
+            <a:r>
+              <a:rPr lang="en-US" dirty="0" err="1"/>
+              <a:t>TeleOp</a:t>
+            </a:r>
+            <a:r>
+              <a:rPr lang="en-US" dirty="0"/>
+              <a:t>, and Test (only at home)</a:t>
+            </a:r>
+          </a:p>
+          <a:p>
+            <a:r>
+              <a:rPr lang="en-US" dirty="0"/>
+              <a:t>		Look at </a:t>
+            </a:r>
+            <a:r>
+              <a:rPr lang="en-US" dirty="0" err="1"/>
+              <a:t>ArmSystem</a:t>
+            </a:r>
+            <a:r>
+              <a:rPr lang="en-US" dirty="0"/>
+              <a:t> Robot, OI, and </a:t>
+            </a:r>
+            <a:r>
+              <a:rPr lang="en-US" dirty="0" err="1"/>
+              <a:t>RobotMap</a:t>
+            </a:r>
+            <a:endParaRPr lang="en-US" dirty="0"/>
+          </a:p>
+          <a:p>
+            <a:r>
+              <a:rPr lang="en-US" dirty="0"/>
+              <a:t>	</a:t>
+            </a:r>
+            <a:r>
+              <a:rPr lang="en-US" dirty="0" err="1"/>
+              <a:t>Github</a:t>
+            </a:r>
+            <a:r>
+              <a:rPr lang="en-US" dirty="0"/>
+              <a:t> – team site accessible to registered users (it’s free)</a:t>
+            </a:r>
+          </a:p>
+        </p:txBody>
+      </p:sp>
+    </p:spTree>
+    <p:extLst>
+      <p:ext uri="{BB962C8B-B14F-4D97-AF65-F5344CB8AC3E}">
+        <p14:creationId xmlns:p14="http://schemas.microsoft.com/office/powerpoint/2010/main" val="4021778013"/>
+      </p:ext>
+    </p:extLst>
+  </p:cSld>
+  <p:clrMapOvr>
+    <a:masterClrMapping/>
+  </p:clrMapOvr>
+</p:sld>
+</file>
+
+<file path=ppt/slides/slide6.xml><?xml version="1.0" encoding="utf-8"?>
+<p:sld xmlns:a="http://schemas.openxmlformats.org/drawingml/2006/main" xmlns:r="http://schemas.openxmlformats.org/officeDocument/2006/relationships" xmlns:p="http://schemas.openxmlformats.org/presentationml/2006/main">
+  <p:cSld>
+    <p:spTree>
+      <p:nvGrpSpPr>
+        <p:cNvPr id="1" name=""/>
+        <p:cNvGrpSpPr/>
+        <p:nvPr/>
+      </p:nvGrpSpPr>
+      <p:grpSpPr>
+        <a:xfrm>
+          <a:off x="0" y="0"/>
+          <a:ext cx="0" cy="0"/>
+          <a:chOff x="0" y="0"/>
+          <a:chExt cx="0" cy="0"/>
+        </a:xfrm>
+      </p:grpSpPr>
+      <p:sp>
+        <p:nvSpPr>
+          <p:cNvPr id="4" name="TextBox 3"/>
+          <p:cNvSpPr txBox="1"/>
+          <p:nvPr/>
+        </p:nvSpPr>
+        <p:spPr>
+          <a:xfrm>
+            <a:off x="446567" y="116808"/>
+            <a:ext cx="6610336" cy="6032421"/>
+          </a:xfrm>
+          <a:prstGeom prst="rect">
+            <a:avLst/>
+          </a:prstGeom>
+          <a:noFill/>
+        </p:spPr>
+        <p:txBody>
+          <a:bodyPr wrap="none" rtlCol="0">
+            <a:spAutoFit/>
+          </a:bodyPr>
+          <a:lstStyle/>
+          <a:p>
+            <a:r>
+              <a:rPr lang="en-US" dirty="0"/>
+              <a:t>Summer Learning - Test Robot Electronics</a:t>
+            </a:r>
+          </a:p>
+          <a:p>
+            <a:endParaRPr lang="en-US" dirty="0"/>
+          </a:p>
+          <a:p>
+            <a:r>
+              <a:rPr lang="en-US" sz="1400" dirty="0"/>
+              <a:t>Goals</a:t>
+            </a:r>
+          </a:p>
+          <a:p>
+            <a:r>
+              <a:rPr lang="en-US" sz="1400" dirty="0"/>
+              <a:t>	Learn PID control coding mechanisms</a:t>
+            </a:r>
+          </a:p>
+          <a:p>
+            <a:r>
+              <a:rPr lang="en-US" sz="1400" dirty="0"/>
+              <a:t>	Work on OO and Better Practices</a:t>
+            </a:r>
+          </a:p>
+          <a:p>
+            <a:r>
+              <a:rPr lang="en-US" sz="1400" dirty="0"/>
+              <a:t>Actuators</a:t>
+            </a:r>
+            <a:endParaRPr lang="en-US" dirty="0"/>
+          </a:p>
+          <a:p>
+            <a:r>
+              <a:rPr lang="en-US" dirty="0"/>
+              <a:t>	</a:t>
+            </a:r>
+            <a:r>
+              <a:rPr lang="en-US" sz="1400" dirty="0"/>
+              <a:t>Motors and gearboxes for drive system</a:t>
+            </a:r>
+            <a:endParaRPr lang="en-US" dirty="0"/>
+          </a:p>
+          <a:p>
+            <a:r>
+              <a:rPr lang="en-US" dirty="0"/>
+              <a:t>	</a:t>
+            </a:r>
+            <a:r>
+              <a:rPr lang="en-US" sz="1400" dirty="0"/>
+              <a:t>Linear Actuator (motorized screw jack)</a:t>
+            </a:r>
+            <a:endParaRPr lang="en-US" dirty="0"/>
+          </a:p>
+          <a:p>
+            <a:r>
+              <a:rPr lang="en-US" sz="1400" dirty="0"/>
+              <a:t>Speed Controllers</a:t>
+            </a:r>
+            <a:endParaRPr lang="en-US" dirty="0"/>
+          </a:p>
+          <a:p>
+            <a:r>
+              <a:rPr lang="en-US" dirty="0"/>
+              <a:t>	</a:t>
+            </a:r>
+            <a:r>
+              <a:rPr lang="en-US" sz="1400" dirty="0"/>
+              <a:t>Talon SRX (CTRE)</a:t>
+            </a:r>
+            <a:endParaRPr lang="en-US" dirty="0"/>
+          </a:p>
+          <a:p>
+            <a:r>
+              <a:rPr lang="en-US" dirty="0"/>
+              <a:t>	</a:t>
+            </a:r>
+            <a:r>
+              <a:rPr lang="en-US" sz="1400" dirty="0"/>
+              <a:t>Talon (now obsolete, available as a discontinued item)</a:t>
+            </a:r>
+            <a:endParaRPr lang="en-US" dirty="0"/>
+          </a:p>
+          <a:p>
+            <a:r>
+              <a:rPr lang="en-US" sz="1400" dirty="0"/>
+              <a:t>Sensors</a:t>
+            </a:r>
+            <a:endParaRPr lang="en-US" dirty="0"/>
+          </a:p>
+          <a:p>
+            <a:r>
+              <a:rPr lang="en-US" dirty="0"/>
+              <a:t>	</a:t>
+            </a:r>
+            <a:r>
+              <a:rPr lang="en-US" sz="1400" dirty="0"/>
+              <a:t>Quadrature Encoder</a:t>
+            </a:r>
+            <a:endParaRPr lang="en-US" dirty="0"/>
+          </a:p>
+          <a:p>
+            <a:r>
+              <a:rPr lang="en-US" dirty="0"/>
+              <a:t>		</a:t>
+            </a:r>
+            <a:r>
+              <a:rPr lang="en-US" sz="1400" dirty="0"/>
+              <a:t>reads rotation speed, distance, and direction</a:t>
+            </a:r>
+            <a:endParaRPr lang="en-US" dirty="0"/>
+          </a:p>
+          <a:p>
+            <a:r>
+              <a:rPr lang="en-US" dirty="0"/>
+              <a:t>		</a:t>
+            </a:r>
+            <a:r>
+              <a:rPr lang="en-US" sz="1400" dirty="0">
+                <a:hlinkClick r:id="rId2"/>
+              </a:rPr>
+              <a:t>http://www.digikey.com/product-detail/en/AMT102-V/102-1307-ND/827015</a:t>
+            </a:r>
+            <a:endParaRPr lang="en-US" dirty="0"/>
+          </a:p>
+          <a:p>
+            <a:r>
+              <a:rPr lang="en-US" dirty="0"/>
+              <a:t>	</a:t>
+            </a:r>
+            <a:r>
+              <a:rPr lang="en-US" sz="1400" dirty="0"/>
+              <a:t>Potentiometer</a:t>
+            </a:r>
+            <a:endParaRPr lang="en-US" dirty="0"/>
+          </a:p>
+          <a:p>
+            <a:r>
+              <a:rPr lang="en-US" dirty="0"/>
+              <a:t>		</a:t>
+            </a:r>
+            <a:r>
+              <a:rPr lang="en-US" sz="1400" dirty="0"/>
+              <a:t>reads position on a rotary scale</a:t>
+            </a:r>
+            <a:endParaRPr lang="en-US" dirty="0"/>
+          </a:p>
+          <a:p>
+            <a:r>
+              <a:rPr lang="en-US" dirty="0"/>
+              <a:t>		</a:t>
+            </a:r>
+            <a:r>
+              <a:rPr lang="en-US" sz="1400" dirty="0"/>
+              <a:t>can be adapted to a linear scale with a “string” potentiometer</a:t>
+            </a:r>
+            <a:endParaRPr lang="en-US" dirty="0"/>
+          </a:p>
+          <a:p>
+            <a:r>
+              <a:rPr lang="en-US" dirty="0"/>
+              <a:t>		</a:t>
+            </a:r>
+            <a:r>
+              <a:rPr lang="en-US" sz="1400" dirty="0"/>
+              <a:t>amazon.com search on linear potentiometer 10k</a:t>
+            </a:r>
+            <a:endParaRPr lang="en-US" dirty="0"/>
+          </a:p>
+          <a:p>
+            <a:r>
+              <a:rPr lang="en-US" dirty="0"/>
+              <a:t>	</a:t>
+            </a:r>
+            <a:r>
+              <a:rPr lang="en-US" sz="1400" dirty="0"/>
+              <a:t>Limit Switches</a:t>
+            </a:r>
+            <a:endParaRPr lang="en-US" dirty="0"/>
+          </a:p>
+          <a:p>
+            <a:r>
+              <a:rPr lang="en-US" dirty="0"/>
+              <a:t>		</a:t>
+            </a:r>
+            <a:r>
+              <a:rPr lang="en-US" sz="1400" dirty="0" err="1"/>
+              <a:t>AndyMark</a:t>
+            </a:r>
+            <a:endParaRPr lang="en-US" dirty="0"/>
+          </a:p>
+          <a:p>
+            <a:r>
+              <a:rPr lang="en-US" sz="1400">
+                <a:hlinkClick r:id="rId3"/>
+              </a:rPr>
+              <a:t>		http</a:t>
+            </a:r>
+            <a:r>
+              <a:rPr lang="en-US" sz="1400" dirty="0">
+                <a:hlinkClick r:id="rId3"/>
+              </a:rPr>
+              <a:t>://www.andymark.com/</a:t>
+            </a:r>
+            <a:endParaRPr lang="en-US" dirty="0"/>
+          </a:p>
+          <a:p>
+            <a:endParaRPr lang="en-US" dirty="0"/>
+          </a:p>
+        </p:txBody>
+      </p:sp>
+    </p:spTree>
+    <p:extLst>
+      <p:ext uri="{BB962C8B-B14F-4D97-AF65-F5344CB8AC3E}">
+        <p14:creationId xmlns:p14="http://schemas.microsoft.com/office/powerpoint/2010/main" val="1126476661"/>
+      </p:ext>
+    </p:extLst>
+  </p:cSld>
+  <p:clrMapOvr>
+    <a:masterClrMapping/>
+  </p:clrMapOvr>
+</p:sld>
+</file>
+
+<file path=ppt/slides/slide7.xml><?xml version="1.0" encoding="utf-8"?>
+<p:sld xmlns:a="http://schemas.openxmlformats.org/drawingml/2006/main" xmlns:r="http://schemas.openxmlformats.org/officeDocument/2006/relationships" xmlns:p="http://schemas.openxmlformats.org/presentationml/2006/main">
+  <p:cSld>
+    <p:spTree>
+      <p:nvGrpSpPr>
+        <p:cNvPr id="1" name=""/>
+        <p:cNvGrpSpPr/>
+        <p:nvPr/>
+      </p:nvGrpSpPr>
+      <p:grpSpPr>
+        <a:xfrm>
+          <a:off x="0" y="0"/>
+          <a:ext cx="0" cy="0"/>
+          <a:chOff x="0" y="0"/>
+          <a:chExt cx="0" cy="0"/>
+        </a:xfrm>
+      </p:grpSpPr>
+      <p:sp>
+        <p:nvSpPr>
           <p:cNvPr id="2" name="Title 1"/>
           <p:cNvSpPr>
             <a:spLocks noGrp="1"/>
@@ -4659,17 +5909,18 @@
           <a:p>
             <a:r>
               <a:rPr lang="en-US" dirty="0"/>
-              <a:t>“Linear Actuator” home built version</a:t>
-            </a:r>
-          </a:p>
-          <a:p>
-            <a:r>
-              <a:rPr lang="en-US" dirty="0" err="1"/>
-              <a:t>AndyMark</a:t>
-            </a:r>
-            <a:r>
-              <a:rPr lang="en-US" dirty="0"/>
-              <a:t> </a:t>
+              <a:t>“</a:t>
+            </a:r>
+            <a:r>
+              <a:rPr lang="en-US"/>
+              <a:t>Linear Actuator” home built version</a:t>
+            </a:r>
+            <a:endParaRPr lang="en-US" dirty="0"/>
+          </a:p>
+          <a:p>
+            <a:r>
+              <a:rPr lang="en-US"/>
+              <a:t>AndyMark </a:t>
             </a:r>
             <a:r>
               <a:rPr lang="en-US" dirty="0" err="1"/>
@@ -4698,9 +5949,10 @@
           </a:p>
           <a:p>
             <a:r>
-              <a:rPr lang="en-US" dirty="0"/>
+              <a:rPr lang="en-US"/>
               <a:t>Potentiometer</a:t>
             </a:r>
+            <a:endParaRPr lang="en-US" dirty="0"/>
           </a:p>
           <a:p>
             <a:r>
@@ -4753,331 +6005,6 @@
 </p:sld>
 </file>
 
-<file path=ppt/slides/slide6.xml><?xml version="1.0" encoding="utf-8"?>
-<p:sld xmlns:a="http://schemas.openxmlformats.org/drawingml/2006/main" xmlns:r="http://schemas.openxmlformats.org/officeDocument/2006/relationships" xmlns:p="http://schemas.openxmlformats.org/presentationml/2006/main">
-  <p:cSld>
-    <p:spTree>
-      <p:nvGrpSpPr>
-        <p:cNvPr id="1" name=""/>
-        <p:cNvGrpSpPr/>
-        <p:nvPr/>
-      </p:nvGrpSpPr>
-      <p:grpSpPr>
-        <a:xfrm>
-          <a:off x="0" y="0"/>
-          <a:ext cx="0" cy="0"/>
-          <a:chOff x="0" y="0"/>
-          <a:chExt cx="0" cy="0"/>
-        </a:xfrm>
-      </p:grpSpPr>
-      <p:sp>
-        <p:nvSpPr>
-          <p:cNvPr id="2" name="Title 1"/>
-          <p:cNvSpPr>
-            <a:spLocks noGrp="1"/>
-          </p:cNvSpPr>
-          <p:nvPr>
-            <p:ph type="title"/>
-          </p:nvPr>
-        </p:nvSpPr>
-        <p:spPr/>
-        <p:txBody>
-          <a:bodyPr/>
-          <a:lstStyle/>
-          <a:p>
-            <a:r>
-              <a:rPr lang="en-US" dirty="0"/>
-              <a:t>Actuator - </a:t>
-            </a:r>
-            <a:r>
-              <a:rPr lang="en-US" dirty="0" err="1"/>
-              <a:t>ARmSystem</a:t>
-            </a:r>
-            <a:endParaRPr lang="en-US" dirty="0"/>
-          </a:p>
-        </p:txBody>
-      </p:sp>
-      <p:sp>
-        <p:nvSpPr>
-          <p:cNvPr id="3" name="Content Placeholder 2"/>
-          <p:cNvSpPr>
-            <a:spLocks noGrp="1"/>
-          </p:cNvSpPr>
-          <p:nvPr>
-            <p:ph idx="1"/>
-          </p:nvPr>
-        </p:nvSpPr>
-        <p:spPr>
-          <a:xfrm>
-            <a:off x="1451579" y="1853754"/>
-            <a:ext cx="9603275" cy="4206804"/>
-          </a:xfrm>
-        </p:spPr>
-        <p:txBody>
-          <a:bodyPr>
-            <a:normAutofit fontScale="77500" lnSpcReduction="20000"/>
-          </a:bodyPr>
-          <a:lstStyle/>
-          <a:p>
-            <a:r>
-              <a:rPr lang="en-US" dirty="0"/>
-              <a:t>Command Based</a:t>
-            </a:r>
-          </a:p>
-          <a:p>
-            <a:r>
-              <a:rPr lang="en-US" dirty="0"/>
-              <a:t>Adopts some “Best Practices” seen in other team’s code samples (NUTRONS)</a:t>
-            </a:r>
-          </a:p>
-          <a:p>
-            <a:r>
-              <a:rPr lang="en-US" dirty="0"/>
-              <a:t>Java Class Encapsulation Example</a:t>
-            </a:r>
-          </a:p>
-          <a:p>
-            <a:pPr lvl="1"/>
-            <a:r>
-              <a:rPr lang="en-US" dirty="0"/>
-              <a:t>An Object is a “thing”</a:t>
-            </a:r>
-          </a:p>
-          <a:p>
-            <a:pPr lvl="1"/>
-            <a:r>
-              <a:rPr lang="en-US" dirty="0"/>
-              <a:t>A Class can “blueprint” a “thing”</a:t>
-            </a:r>
-          </a:p>
-          <a:p>
-            <a:r>
-              <a:rPr lang="en-US" dirty="0"/>
-              <a:t>PID Controller using Potentiometer</a:t>
-            </a:r>
-          </a:p>
-          <a:p>
-            <a:pPr lvl="1"/>
-            <a:r>
-              <a:rPr lang="en-US" dirty="0"/>
-              <a:t>Proportional, Integral, Derivative – the theory is a whole topic</a:t>
-            </a:r>
-          </a:p>
-          <a:p>
-            <a:r>
-              <a:rPr lang="en-US" dirty="0"/>
-              <a:t>Needs work aka Exercises</a:t>
-            </a:r>
-          </a:p>
-          <a:p>
-            <a:pPr lvl="1"/>
-            <a:r>
-              <a:rPr lang="en-US" dirty="0"/>
-              <a:t>Initialize routine to save “home” position</a:t>
-            </a:r>
-          </a:p>
-          <a:p>
-            <a:pPr lvl="1"/>
-            <a:r>
-              <a:rPr lang="en-US" dirty="0"/>
-              <a:t>Fix the </a:t>
-            </a:r>
-            <a:r>
-              <a:rPr lang="en-US" dirty="0" err="1"/>
-              <a:t>OnTarget</a:t>
-            </a:r>
-            <a:r>
-              <a:rPr lang="en-US" dirty="0"/>
-              <a:t> method to tie limit switch detection to movement direction</a:t>
-            </a:r>
-          </a:p>
-          <a:p>
-            <a:pPr lvl="1"/>
-            <a:r>
-              <a:rPr lang="en-US" dirty="0"/>
-              <a:t>Allow updates to Target Table (e.g. a Save </a:t>
-            </a:r>
-            <a:r>
-              <a:rPr lang="en-US" dirty="0" err="1"/>
-              <a:t>Setpoint</a:t>
-            </a:r>
-            <a:r>
-              <a:rPr lang="en-US" dirty="0"/>
-              <a:t> command)</a:t>
-            </a:r>
-          </a:p>
-          <a:p>
-            <a:pPr lvl="1"/>
-            <a:r>
-              <a:rPr lang="en-US" dirty="0"/>
-              <a:t>Use true/false for table increment command rather than hard-code</a:t>
-            </a:r>
-          </a:p>
-          <a:p>
-            <a:pPr lvl="1"/>
-            <a:r>
-              <a:rPr lang="en-US" dirty="0"/>
-              <a:t>Read/Write </a:t>
-            </a:r>
-            <a:r>
-              <a:rPr lang="en-US" dirty="0" err="1"/>
-              <a:t>Setpoint</a:t>
-            </a:r>
-            <a:r>
-              <a:rPr lang="en-US" dirty="0"/>
-              <a:t> table from </a:t>
-            </a:r>
-            <a:r>
-              <a:rPr lang="en-US" dirty="0" err="1"/>
-              <a:t>RoboRIO</a:t>
-            </a:r>
-            <a:r>
-              <a:rPr lang="en-US" dirty="0"/>
-              <a:t> stored file</a:t>
-            </a:r>
-          </a:p>
-        </p:txBody>
-      </p:sp>
-    </p:spTree>
-    <p:extLst>
-      <p:ext uri="{BB962C8B-B14F-4D97-AF65-F5344CB8AC3E}">
-        <p14:creationId xmlns:p14="http://schemas.microsoft.com/office/powerpoint/2010/main" val="4159621399"/>
-      </p:ext>
-    </p:extLst>
-  </p:cSld>
-  <p:clrMapOvr>
-    <a:masterClrMapping/>
-  </p:clrMapOvr>
-</p:sld>
-</file>
-
-<file path=ppt/slides/slide7.xml><?xml version="1.0" encoding="utf-8"?>
-<p:sld xmlns:a="http://schemas.openxmlformats.org/drawingml/2006/main" xmlns:r="http://schemas.openxmlformats.org/officeDocument/2006/relationships" xmlns:p="http://schemas.openxmlformats.org/presentationml/2006/main">
-  <p:cSld>
-    <p:spTree>
-      <p:nvGrpSpPr>
-        <p:cNvPr id="1" name=""/>
-        <p:cNvGrpSpPr/>
-        <p:nvPr/>
-      </p:nvGrpSpPr>
-      <p:grpSpPr>
-        <a:xfrm>
-          <a:off x="0" y="0"/>
-          <a:ext cx="0" cy="0"/>
-          <a:chOff x="0" y="0"/>
-          <a:chExt cx="0" cy="0"/>
-        </a:xfrm>
-      </p:grpSpPr>
-      <p:sp>
-        <p:nvSpPr>
-          <p:cNvPr id="2" name="Title 1"/>
-          <p:cNvSpPr>
-            <a:spLocks noGrp="1"/>
-          </p:cNvSpPr>
-          <p:nvPr>
-            <p:ph type="title" idx="4294967295"/>
-          </p:nvPr>
-        </p:nvSpPr>
-        <p:spPr>
-          <a:xfrm>
-            <a:off x="0" y="1130300"/>
-            <a:ext cx="5532438" cy="849313"/>
-          </a:xfrm>
-        </p:spPr>
-        <p:txBody>
-          <a:bodyPr/>
-          <a:lstStyle/>
-          <a:p>
-            <a:r>
-              <a:rPr lang="en-US" dirty="0"/>
-              <a:t>Drive system</a:t>
-            </a:r>
-          </a:p>
-        </p:txBody>
-      </p:sp>
-      <p:sp>
-        <p:nvSpPr>
-          <p:cNvPr id="4" name="Text Placeholder 3"/>
-          <p:cNvSpPr>
-            <a:spLocks noGrp="1"/>
-          </p:cNvSpPr>
-          <p:nvPr>
-            <p:ph type="body" sz="half" idx="4294967295"/>
-          </p:nvPr>
-        </p:nvSpPr>
-        <p:spPr>
-          <a:xfrm>
-            <a:off x="0" y="2268538"/>
-            <a:ext cx="5524500" cy="2881312"/>
-          </a:xfrm>
-        </p:spPr>
-        <p:txBody>
-          <a:bodyPr/>
-          <a:lstStyle/>
-          <a:p>
-            <a:r>
-              <a:rPr lang="en-US" dirty="0" err="1"/>
-              <a:t>RoboRIO</a:t>
-            </a:r>
-            <a:endParaRPr lang="en-US" dirty="0"/>
-          </a:p>
-          <a:p>
-            <a:r>
-              <a:rPr lang="en-US" dirty="0"/>
-              <a:t>Talon SRX with Encoder and Limit Switch Breakout board</a:t>
-            </a:r>
-          </a:p>
-          <a:p>
-            <a:r>
-              <a:rPr lang="en-US" dirty="0"/>
-              <a:t>2 CIM Drive</a:t>
-            </a:r>
-          </a:p>
-          <a:p>
-            <a:r>
-              <a:rPr lang="en-US" dirty="0"/>
-              <a:t>Gearbox</a:t>
-            </a:r>
-          </a:p>
-        </p:txBody>
-      </p:sp>
-      <p:pic>
-        <p:nvPicPr>
-          <p:cNvPr id="7" name="Picture Placeholder 6"/>
-          <p:cNvPicPr>
-            <a:picLocks noGrp="1" noChangeAspect="1"/>
-          </p:cNvPicPr>
-          <p:nvPr>
-            <p:ph type="pic" idx="4294967295"/>
-          </p:nvPr>
-        </p:nvPicPr>
-        <p:blipFill>
-          <a:blip r:embed="rId2"/>
-          <a:srcRect l="11028" r="11028"/>
-          <a:stretch>
-            <a:fillRect/>
-          </a:stretch>
-        </p:blipFill>
-        <p:spPr>
-          <a:xfrm rot="16200000">
-            <a:off x="6192021" y="990904"/>
-            <a:ext cx="5702500" cy="4115351"/>
-          </a:xfrm>
-        </p:spPr>
-      </p:pic>
-    </p:spTree>
-    <p:extLst>
-      <p:ext uri="{BB962C8B-B14F-4D97-AF65-F5344CB8AC3E}">
-        <p14:creationId xmlns:p14="http://schemas.microsoft.com/office/powerpoint/2010/main" val="2230502202"/>
-      </p:ext>
-    </p:extLst>
-  </p:cSld>
-  <p:clrMapOvr>
-    <a:masterClrMapping/>
-  </p:clrMapOvr>
-</p:sld>
-</file>
-
 <file path=ppt/slides/slide8.xml><?xml version="1.0" encoding="utf-8"?>
 <p:sld xmlns:a="http://schemas.openxmlformats.org/drawingml/2006/main" xmlns:r="http://schemas.openxmlformats.org/officeDocument/2006/relationships" xmlns:p="http://schemas.openxmlformats.org/presentationml/2006/main">
   <p:cSld>
@@ -5105,42 +6032,42 @@
             <p:ph type="title"/>
           </p:nvPr>
         </p:nvSpPr>
+        <p:spPr/>
+        <p:txBody>
+          <a:bodyPr/>
+          <a:lstStyle/>
+          <a:p>
+            <a:r>
+              <a:rPr lang="en-US" dirty="0"/>
+              <a:t>Actuator - </a:t>
+            </a:r>
+            <a:r>
+              <a:rPr lang="en-US" dirty="0" err="1"/>
+              <a:t>ARmSystem</a:t>
+            </a:r>
+            <a:endParaRPr lang="en-US" dirty="0"/>
+          </a:p>
+        </p:txBody>
+      </p:sp>
+      <p:sp>
+        <p:nvSpPr>
+          <p:cNvPr id="3" name="Content Placeholder 2"/>
+          <p:cNvSpPr>
+            <a:spLocks noGrp="1"/>
+          </p:cNvSpPr>
+          <p:nvPr>
+            <p:ph idx="1"/>
+          </p:nvPr>
+        </p:nvSpPr>
         <p:spPr>
           <a:xfrm>
-            <a:off x="1451579" y="804519"/>
-            <a:ext cx="9603275" cy="800997"/>
+            <a:off x="1451579" y="1853754"/>
+            <a:ext cx="9603275" cy="4206804"/>
           </a:xfrm>
         </p:spPr>
         <p:txBody>
-          <a:bodyPr/>
-          <a:lstStyle/>
-          <a:p>
-            <a:r>
-              <a:rPr lang="en-US" dirty="0"/>
-              <a:t>Drive - PIDLing2gyro</a:t>
-            </a:r>
-          </a:p>
-        </p:txBody>
-      </p:sp>
-      <p:sp>
-        <p:nvSpPr>
-          <p:cNvPr id="3" name="Content Placeholder 2"/>
-          <p:cNvSpPr>
-            <a:spLocks noGrp="1"/>
-          </p:cNvSpPr>
-          <p:nvPr>
-            <p:ph idx="1"/>
-          </p:nvPr>
-        </p:nvSpPr>
-        <p:spPr>
-          <a:xfrm>
-            <a:off x="1451579" y="1796902"/>
-            <a:ext cx="9603275" cy="4327451"/>
-          </a:xfrm>
-        </p:spPr>
-        <p:txBody>
           <a:bodyPr>
-            <a:normAutofit lnSpcReduction="10000"/>
+            <a:normAutofit fontScale="77500" lnSpcReduction="20000"/>
           </a:bodyPr>
           <a:lstStyle/>
           <a:p>
@@ -5152,96 +6079,140 @@
           <a:p>
             <a:r>
               <a:rPr lang="en-US" dirty="0"/>
-              <a:t>Pre “Best Practices” (as delivered from FRC provided </a:t>
+              <a:t>Adopts some “Best Practices” seen in other team’s code samples (NUTRONS)</a:t>
+            </a:r>
+          </a:p>
+          <a:p>
+            <a:r>
+              <a:rPr lang="en-US" dirty="0"/>
+              <a:t>Java Class Encapsulation Example</a:t>
+            </a:r>
+          </a:p>
+          <a:p>
+            <a:pPr lvl="1"/>
+            <a:r>
+              <a:rPr lang="en-US" dirty="0"/>
+              <a:t>An</a:t>
+            </a:r>
+            <a:r>
+              <a:rPr lang="en-US"/>
+              <a:t> Object is a “thing”</a:t>
+            </a:r>
+            <a:endParaRPr lang="en-US" dirty="0"/>
+          </a:p>
+          <a:p>
+            <a:pPr lvl="1"/>
+            <a:r>
+              <a:rPr lang="en-US"/>
+              <a:t>A Class can “blueprint” a “thing”</a:t>
+            </a:r>
+            <a:endParaRPr lang="en-US" dirty="0"/>
+          </a:p>
+          <a:p>
+            <a:r>
+              <a:rPr lang="en-US"/>
+              <a:t>PID </a:t>
+            </a:r>
+            <a:r>
+              <a:rPr lang="en-US" dirty="0"/>
+              <a:t>Controller using Potentiometer</a:t>
+            </a:r>
+          </a:p>
+          <a:p>
+            <a:pPr lvl="1"/>
+            <a:r>
+              <a:rPr lang="en-US" dirty="0"/>
+              <a:t>Proportional</a:t>
+            </a:r>
+            <a:r>
+              <a:rPr lang="en-US"/>
+              <a:t>, Integral, Derivative – the theory is a whole topic</a:t>
+            </a:r>
+            <a:endParaRPr lang="en-US" dirty="0"/>
+          </a:p>
+          <a:p>
+            <a:r>
+              <a:rPr lang="en-US"/>
+              <a:t>Needs work aka Exercises</a:t>
+            </a:r>
+            <a:endParaRPr lang="en-US" dirty="0"/>
+          </a:p>
+          <a:p>
+            <a:pPr lvl="1"/>
+            <a:r>
+              <a:rPr lang="en-US" dirty="0"/>
+              <a:t>Initialize routine to save “home” position</a:t>
+            </a:r>
+          </a:p>
+          <a:p>
+            <a:pPr lvl="1"/>
+            <a:r>
+              <a:rPr lang="en-US" dirty="0"/>
+              <a:t>Fix </a:t>
+            </a:r>
+            <a:r>
+              <a:rPr lang="en-US"/>
+              <a:t>the </a:t>
+            </a:r>
+            <a:r>
+              <a:rPr lang="en-US" err="1"/>
+              <a:t>OnTarget</a:t>
+            </a:r>
+            <a:r>
+              <a:rPr lang="en-US"/>
+              <a:t> method to tie limit switch detection to movement direction</a:t>
+            </a:r>
+            <a:endParaRPr lang="en-US" dirty="0"/>
+          </a:p>
+          <a:p>
+            <a:pPr lvl="1"/>
+            <a:r>
+              <a:rPr lang="en-US" dirty="0"/>
+              <a:t>Allow updates to </a:t>
+            </a:r>
+            <a:r>
+              <a:rPr lang="en-US"/>
+              <a:t>Target Table (e.g. a Save Setpoint command)</a:t>
+            </a:r>
+            <a:endParaRPr lang="en-US" dirty="0"/>
+          </a:p>
+          <a:p>
+            <a:pPr lvl="1"/>
+            <a:r>
+              <a:rPr lang="en-US" dirty="0"/>
+              <a:t>Use true/false for table increment command rather </a:t>
+            </a:r>
+            <a:r>
+              <a:rPr lang="en-US"/>
+              <a:t>than hard-code</a:t>
+            </a:r>
+            <a:endParaRPr lang="en-US" dirty="0"/>
+          </a:p>
+          <a:p>
+            <a:pPr lvl="1"/>
+            <a:r>
+              <a:rPr lang="en-US"/>
+              <a:t>Read/Write </a:t>
             </a:r>
             <a:r>
               <a:rPr lang="en-US" dirty="0" err="1"/>
-              <a:t>RobotBuilder</a:t>
-            </a:r>
-            <a:r>
-              <a:rPr lang="en-US" dirty="0"/>
-              <a:t>)</a:t>
-            </a:r>
-          </a:p>
-          <a:p>
-            <a:r>
-              <a:rPr lang="en-US" dirty="0"/>
-              <a:t>PID Encoder control using Talon SRX connected on Right side drive</a:t>
-            </a:r>
-          </a:p>
-          <a:p>
-            <a:r>
-              <a:rPr lang="en-US" dirty="0"/>
-              <a:t>Gyro read – not incorporated into drive</a:t>
-            </a:r>
-          </a:p>
-          <a:p>
-            <a:r>
-              <a:rPr lang="en-US" dirty="0"/>
-              <a:t>Needs Work – More Exercises</a:t>
-            </a:r>
-          </a:p>
-          <a:p>
-            <a:pPr lvl="1"/>
-            <a:r>
-              <a:rPr lang="en-US" dirty="0"/>
-              <a:t>PID Encoder control of both Left and Right drive for distance</a:t>
-            </a:r>
-          </a:p>
-          <a:p>
-            <a:pPr lvl="1"/>
-            <a:r>
-              <a:rPr lang="en-US" dirty="0"/>
-              <a:t>PID Gyro control of Left and Right drive for heading (self-steering)</a:t>
-            </a:r>
-          </a:p>
-          <a:p>
-            <a:pPr lvl="1"/>
-            <a:r>
-              <a:rPr lang="en-US" dirty="0"/>
-              <a:t>HINT – </a:t>
+              <a:t>Setpoint</a:t>
+            </a:r>
+            <a:r>
+              <a:rPr lang="en-US"/>
+              <a:t> table </a:t>
+            </a:r>
+            <a:r>
+              <a:rPr lang="en-US" dirty="0"/>
+              <a:t>from </a:t>
             </a:r>
             <a:r>
               <a:rPr lang="en-US" dirty="0" err="1"/>
-              <a:t>Nutron</a:t>
-            </a:r>
-            <a:r>
-              <a:rPr lang="en-US" dirty="0"/>
-              <a:t> code base does this and a lot more (link from Chief Delphi to </a:t>
-            </a:r>
-            <a:r>
-              <a:rPr lang="en-US" dirty="0" err="1"/>
-              <a:t>Github</a:t>
-            </a:r>
-            <a:r>
-              <a:rPr lang="en-US" dirty="0"/>
-              <a:t>)</a:t>
-            </a:r>
-          </a:p>
-          <a:p>
-            <a:pPr lvl="1"/>
-            <a:r>
-              <a:rPr lang="en-US" dirty="0" err="1"/>
-              <a:t>isStuck</a:t>
-            </a:r>
-            <a:r>
-              <a:rPr lang="en-US" dirty="0"/>
-              <a:t>/</a:t>
-            </a:r>
-            <a:r>
-              <a:rPr lang="en-US" dirty="0" err="1"/>
-              <a:t>inTrouble</a:t>
-            </a:r>
-            <a:r>
-              <a:rPr lang="en-US" dirty="0"/>
-              <a:t> methods</a:t>
-            </a:r>
-          </a:p>
-          <a:p>
-            <a:pPr lvl="1"/>
-            <a:r>
-              <a:rPr lang="en-US" dirty="0"/>
-              <a:t>Got Stuck? Handle overloads / drive errors for autonomous</a:t>
+              <a:t>RoboRIO</a:t>
+            </a:r>
+            <a:r>
+              <a:rPr lang="en-US" dirty="0"/>
+              <a:t> stored file</a:t>
             </a:r>
           </a:p>
         </p:txBody>
@@ -5249,7 +6220,7 @@
     </p:spTree>
     <p:extLst>
       <p:ext uri="{BB962C8B-B14F-4D97-AF65-F5344CB8AC3E}">
-        <p14:creationId xmlns:p14="http://schemas.microsoft.com/office/powerpoint/2010/main" val="1613367903"/>
+        <p14:creationId xmlns:p14="http://schemas.microsoft.com/office/powerpoint/2010/main" val="4159621399"/>
       </p:ext>
     </p:extLst>
   </p:cSld>
@@ -5278,234 +6249,110 @@
       </p:grpSpPr>
       <p:sp>
         <p:nvSpPr>
-          <p:cNvPr id="2" name="TextBox 1"/>
-          <p:cNvSpPr txBox="1"/>
-          <p:nvPr/>
+          <p:cNvPr id="2" name="Title 1"/>
+          <p:cNvSpPr>
+            <a:spLocks noGrp="1"/>
+          </p:cNvSpPr>
+          <p:nvPr>
+            <p:ph type="title" idx="4294967295"/>
+          </p:nvPr>
         </p:nvSpPr>
         <p:spPr>
           <a:xfrm>
-            <a:off x="478466" y="350875"/>
-            <a:ext cx="7811241" cy="5909310"/>
+            <a:off x="0" y="1130300"/>
+            <a:ext cx="5532438" cy="849313"/>
           </a:xfrm>
-          <a:prstGeom prst="rect">
-            <a:avLst/>
-          </a:prstGeom>
-          <a:noFill/>
         </p:spPr>
         <p:txBody>
-          <a:bodyPr wrap="none" rtlCol="0">
-            <a:spAutoFit/>
-          </a:bodyPr>
+          <a:bodyPr/>
           <a:lstStyle/>
           <a:p>
             <a:r>
               <a:rPr lang="en-US" dirty="0"/>
-              <a:t>Shopping</a:t>
-            </a:r>
-          </a:p>
-          <a:p>
-            <a:endParaRPr lang="en-US" dirty="0"/>
-          </a:p>
+              <a:t>Drive system</a:t>
+            </a:r>
+          </a:p>
+        </p:txBody>
+      </p:sp>
+      <p:sp>
+        <p:nvSpPr>
+          <p:cNvPr id="4" name="Text Placeholder 3"/>
+          <p:cNvSpPr>
+            <a:spLocks noGrp="1"/>
+          </p:cNvSpPr>
+          <p:nvPr>
+            <p:ph type="body" sz="half" idx="4294967295"/>
+          </p:nvPr>
+        </p:nvSpPr>
+        <p:spPr>
+          <a:xfrm>
+            <a:off x="0" y="2268538"/>
+            <a:ext cx="5524500" cy="2881312"/>
+          </a:xfrm>
+        </p:spPr>
+        <p:txBody>
+          <a:bodyPr/>
+          <a:lstStyle/>
           <a:p>
             <a:r>
               <a:rPr lang="en-US" dirty="0" err="1"/>
-              <a:t>AndyMark</a:t>
-            </a:r>
-            <a:r>
-              <a:rPr lang="en-US" dirty="0"/>
-              <a:t> </a:t>
-            </a:r>
-            <a:r>
-              <a:rPr lang="en-US" dirty="0">
-                <a:hlinkClick r:id="rId2"/>
-              </a:rPr>
-              <a:t>http://www.andymark.com/Default.asp</a:t>
-            </a:r>
-            <a:endParaRPr lang="en-US" dirty="0"/>
-          </a:p>
-          <a:p>
-            <a:r>
-              <a:rPr lang="en-US" dirty="0"/>
-              <a:t>	FRC major supplier</a:t>
-            </a:r>
-          </a:p>
-          <a:p>
-            <a:r>
-              <a:rPr lang="en-US" dirty="0"/>
-              <a:t>Cross The Road Electronics </a:t>
-            </a:r>
-            <a:r>
-              <a:rPr lang="en-US" dirty="0">
-                <a:hlinkClick r:id="rId3"/>
-              </a:rPr>
-              <a:t>http://www.ctr-electronics.com/</a:t>
-            </a:r>
-            <a:endParaRPr lang="en-US" dirty="0"/>
-          </a:p>
-          <a:p>
-            <a:r>
-              <a:rPr lang="en-US" dirty="0"/>
-              <a:t>	FRC custom electronics</a:t>
-            </a:r>
-          </a:p>
-          <a:p>
-            <a:r>
-              <a:rPr lang="en-US" dirty="0"/>
-              <a:t>VEX Robotics </a:t>
-            </a:r>
-            <a:r>
-              <a:rPr lang="en-US" dirty="0">
-                <a:hlinkClick r:id="rId4"/>
-              </a:rPr>
-              <a:t>http://www.vexrobotics.com/vexpro</a:t>
-            </a:r>
-            <a:endParaRPr lang="en-US" dirty="0"/>
-          </a:p>
-          <a:p>
-            <a:r>
-              <a:rPr lang="en-US" dirty="0"/>
-              <a:t>	FRC drive parts and electronics</a:t>
-            </a:r>
-          </a:p>
-          <a:p>
-            <a:r>
-              <a:rPr lang="en-US" dirty="0"/>
-              <a:t>Digi-key </a:t>
-            </a:r>
-            <a:r>
-              <a:rPr lang="en-US" dirty="0">
-                <a:hlinkClick r:id="rId5"/>
-              </a:rPr>
-              <a:t>http://www.digikey.com/en</a:t>
-            </a:r>
-            <a:endParaRPr lang="en-US" dirty="0"/>
-          </a:p>
-          <a:p>
-            <a:r>
-              <a:rPr lang="en-US" dirty="0"/>
-              <a:t>	electronics and connectors (voucher)</a:t>
-            </a:r>
-          </a:p>
-          <a:p>
-            <a:r>
-              <a:rPr lang="en-US" dirty="0"/>
-              <a:t>Mouser </a:t>
-            </a:r>
-            <a:r>
-              <a:rPr lang="en-US" dirty="0">
-                <a:hlinkClick r:id="rId6"/>
-              </a:rPr>
-              <a:t>http://www.mouser.com/</a:t>
-            </a:r>
-            <a:endParaRPr lang="en-US" dirty="0"/>
-          </a:p>
-          <a:p>
-            <a:r>
-              <a:rPr lang="en-US" dirty="0"/>
-              <a:t>	electronics and connectors</a:t>
-            </a:r>
-          </a:p>
-          <a:p>
-            <a:r>
-              <a:rPr lang="en-US" dirty="0"/>
-              <a:t>Amazon </a:t>
-            </a:r>
-            <a:r>
-              <a:rPr lang="en-US" dirty="0">
-                <a:hlinkClick r:id="rId7"/>
-              </a:rPr>
-              <a:t>http://amazon.com</a:t>
-            </a:r>
-            <a:endParaRPr lang="en-US" dirty="0"/>
-          </a:p>
-          <a:p>
-            <a:r>
-              <a:rPr lang="en-US" dirty="0"/>
-              <a:t>	learn to search (potentiometers, bearings, rod ends, etc.)</a:t>
-            </a:r>
-          </a:p>
-          <a:p>
-            <a:r>
-              <a:rPr lang="en-US" dirty="0"/>
-              <a:t>eBay </a:t>
-            </a:r>
-            <a:r>
-              <a:rPr lang="en-US" dirty="0">
-                <a:hlinkClick r:id="rId8"/>
-              </a:rPr>
-              <a:t>http://ebay.com</a:t>
-            </a:r>
-            <a:endParaRPr lang="en-US" dirty="0"/>
-          </a:p>
-          <a:p>
-            <a:r>
-              <a:rPr lang="en-US" dirty="0"/>
-              <a:t>	learn to search (linear actuators,  Anderson </a:t>
-            </a:r>
-            <a:r>
-              <a:rPr lang="en-US" dirty="0" err="1"/>
-              <a:t>powerpole</a:t>
-            </a:r>
-            <a:r>
-              <a:rPr lang="en-US" dirty="0"/>
-              <a:t>, etc.)</a:t>
-            </a:r>
-          </a:p>
-          <a:p>
-            <a:r>
-              <a:rPr lang="en-US" dirty="0"/>
-              <a:t>Hansen Hobbies </a:t>
-            </a:r>
-            <a:r>
-              <a:rPr lang="en-US" dirty="0">
-                <a:hlinkClick r:id="rId9"/>
-              </a:rPr>
-              <a:t>http://www.hansenhobbies.com/</a:t>
-            </a:r>
-            <a:endParaRPr lang="en-US" dirty="0"/>
-          </a:p>
-          <a:p>
-            <a:r>
-              <a:rPr lang="en-US" dirty="0"/>
-              <a:t>	bulk PWM cable parts</a:t>
-            </a:r>
-          </a:p>
-          <a:p>
-            <a:r>
-              <a:rPr lang="en-US" dirty="0"/>
-              <a:t>Surplus Gizmos </a:t>
-            </a:r>
-            <a:r>
-              <a:rPr lang="en-US" dirty="0">
-                <a:hlinkClick r:id="rId10"/>
-              </a:rPr>
-              <a:t>http://www.surplusgizmos.com/</a:t>
-            </a:r>
-            <a:endParaRPr lang="en-US" dirty="0"/>
-          </a:p>
-          <a:p>
-            <a:r>
-              <a:rPr lang="en-US" dirty="0"/>
-              <a:t>	surplus electronics and tech parts shop in </a:t>
-            </a:r>
-            <a:r>
-              <a:rPr lang="en-US" dirty="0" err="1"/>
-              <a:t>Hillboro</a:t>
-            </a:r>
-            <a:r>
-              <a:rPr lang="en-US" dirty="0"/>
-              <a:t> (on Cornelius Pass Road)</a:t>
-            </a:r>
-          </a:p>
-          <a:p>
-            <a:endParaRPr lang="en-US" dirty="0"/>
-          </a:p>
-        </p:txBody>
-      </p:sp>
+              <a:t>RoboRIO</a:t>
+            </a:r>
+            <a:endParaRPr lang="en-US" dirty="0"/>
+          </a:p>
+          <a:p>
+            <a:r>
+              <a:rPr lang="en-US" dirty="0"/>
+              <a:t>Talon SRX with Encoder and Limit </a:t>
+            </a:r>
+            <a:r>
+              <a:rPr lang="en-US"/>
+              <a:t>Switch Breakout board</a:t>
+            </a:r>
+            <a:endParaRPr lang="en-US" dirty="0"/>
+          </a:p>
+          <a:p>
+            <a:r>
+              <a:rPr lang="en-US" dirty="0"/>
+              <a:t>2 CIM Drive</a:t>
+            </a:r>
+          </a:p>
+          <a:p>
+            <a:r>
+              <a:rPr lang="en-US" dirty="0"/>
+              <a:t>Gearbox</a:t>
+            </a:r>
+          </a:p>
+        </p:txBody>
+      </p:sp>
+      <p:pic>
+        <p:nvPicPr>
+          <p:cNvPr id="7" name="Picture Placeholder 6"/>
+          <p:cNvPicPr>
+            <a:picLocks noGrp="1" noChangeAspect="1"/>
+          </p:cNvPicPr>
+          <p:nvPr>
+            <p:ph type="pic" idx="4294967295"/>
+          </p:nvPr>
+        </p:nvPicPr>
+        <p:blipFill>
+          <a:blip r:embed="rId2"/>
+          <a:srcRect l="11028" r="11028"/>
+          <a:stretch>
+            <a:fillRect/>
+          </a:stretch>
+        </p:blipFill>
+        <p:spPr>
+          <a:xfrm rot="16200000">
+            <a:off x="6192021" y="990904"/>
+            <a:ext cx="5702500" cy="4115351"/>
+          </a:xfrm>
+        </p:spPr>
+      </p:pic>
     </p:spTree>
     <p:extLst>
       <p:ext uri="{BB962C8B-B14F-4D97-AF65-F5344CB8AC3E}">
-        <p14:creationId xmlns:p14="http://schemas.microsoft.com/office/powerpoint/2010/main" val="2753434905"/>
+        <p14:creationId xmlns:p14="http://schemas.microsoft.com/office/powerpoint/2010/main" val="2230502202"/>
       </p:ext>
     </p:extLst>
   </p:cSld>

--- a/FRC 4662 Programming Intro.pptx
+++ b/FRC 4662 Programming Intro.pptx
@@ -208,7 +208,7 @@
           <a:p>
             <a:fld id="{94BD86EA-BF5A-45C1-B4CB-BD2637A32138}" type="datetimeFigureOut">
               <a:rPr lang="en-US" smtClean="0"/>
-              <a:t>10/23/2016</a:t>
+              <a:t>10/24/2016</a:t>
             </a:fld>
             <a:endParaRPr lang="en-US"/>
           </a:p>
@@ -764,7 +764,7 @@
           <a:p>
             <a:fld id="{48A87A34-81AB-432B-8DAE-1953F412C126}" type="datetimeFigureOut">
               <a:rPr lang="en-US" dirty="0"/>
-              <a:t>10/23/2016</a:t>
+              <a:t>10/24/2016</a:t>
             </a:fld>
             <a:endParaRPr lang="en-US" dirty="0"/>
           </a:p>
@@ -970,7 +970,7 @@
           <a:p>
             <a:fld id="{48A87A34-81AB-432B-8DAE-1953F412C126}" type="datetimeFigureOut">
               <a:rPr lang="en-US" dirty="0"/>
-              <a:t>10/23/2016</a:t>
+              <a:t>10/24/2016</a:t>
             </a:fld>
             <a:endParaRPr lang="en-US" dirty="0"/>
           </a:p>
@@ -1180,7 +1180,7 @@
           <a:p>
             <a:fld id="{48A87A34-81AB-432B-8DAE-1953F412C126}" type="datetimeFigureOut">
               <a:rPr lang="en-US" dirty="0"/>
-              <a:t>10/23/2016</a:t>
+              <a:t>10/24/2016</a:t>
             </a:fld>
             <a:endParaRPr lang="en-US" dirty="0"/>
           </a:p>
@@ -1376,7 +1376,7 @@
           <a:p>
             <a:fld id="{48A87A34-81AB-432B-8DAE-1953F412C126}" type="datetimeFigureOut">
               <a:rPr lang="en-US" dirty="0"/>
-              <a:t>10/23/2016</a:t>
+              <a:t>10/24/2016</a:t>
             </a:fld>
             <a:endParaRPr lang="en-US" dirty="0"/>
           </a:p>
@@ -1650,7 +1650,7 @@
           <a:p>
             <a:fld id="{48A87A34-81AB-432B-8DAE-1953F412C126}" type="datetimeFigureOut">
               <a:rPr lang="en-US" dirty="0"/>
-              <a:t>10/23/2016</a:t>
+              <a:t>10/24/2016</a:t>
             </a:fld>
             <a:endParaRPr lang="en-US" dirty="0"/>
           </a:p>
@@ -1913,7 +1913,7 @@
           <a:p>
             <a:fld id="{48A87A34-81AB-432B-8DAE-1953F412C126}" type="datetimeFigureOut">
               <a:rPr lang="en-US" dirty="0"/>
-              <a:t>10/23/2016</a:t>
+              <a:t>10/24/2016</a:t>
             </a:fld>
             <a:endParaRPr lang="en-US" dirty="0"/>
           </a:p>
@@ -2324,7 +2324,7 @@
           <a:p>
             <a:fld id="{48A87A34-81AB-432B-8DAE-1953F412C126}" type="datetimeFigureOut">
               <a:rPr lang="en-US" dirty="0"/>
-              <a:t>10/23/2016</a:t>
+              <a:t>10/24/2016</a:t>
             </a:fld>
             <a:endParaRPr lang="en-US" dirty="0"/>
           </a:p>
@@ -2468,7 +2468,7 @@
           <a:p>
             <a:fld id="{48A87A34-81AB-432B-8DAE-1953F412C126}" type="datetimeFigureOut">
               <a:rPr lang="en-US" dirty="0"/>
-              <a:t>10/23/2016</a:t>
+              <a:t>10/24/2016</a:t>
             </a:fld>
             <a:endParaRPr lang="en-US" dirty="0"/>
           </a:p>
@@ -2589,7 +2589,7 @@
           <a:p>
             <a:fld id="{48A87A34-81AB-432B-8DAE-1953F412C126}" type="datetimeFigureOut">
               <a:rPr lang="en-US" dirty="0"/>
-              <a:t>10/23/2016</a:t>
+              <a:t>10/24/2016</a:t>
             </a:fld>
             <a:endParaRPr lang="en-US" dirty="0"/>
           </a:p>
@@ -2835,7 +2835,7 @@
           <a:p>
             <a:fld id="{48A87A34-81AB-432B-8DAE-1953F412C126}" type="datetimeFigureOut">
               <a:rPr lang="en-US" dirty="0"/>
-              <a:t>10/23/2016</a:t>
+              <a:t>10/24/2016</a:t>
             </a:fld>
             <a:endParaRPr lang="en-US" dirty="0"/>
           </a:p>
@@ -3276,7 +3276,7 @@
             <a:fld id="{48A87A34-81AB-432B-8DAE-1953F412C126}" type="datetimeFigureOut">
               <a:rPr lang="en-US" dirty="0"/>
               <a:pPr/>
-              <a:t>10/23/2016</a:t>
+              <a:t>10/24/2016</a:t>
             </a:fld>
             <a:endParaRPr lang="en-US" dirty="0"/>
           </a:p>
@@ -3598,7 +3598,7 @@
             <a:fld id="{48A87A34-81AB-432B-8DAE-1953F412C126}" type="datetimeFigureOut">
               <a:rPr lang="en-US" dirty="0"/>
               <a:pPr/>
-              <a:t>10/23/2016</a:t>
+              <a:t>10/24/2016</a:t>
             </a:fld>
             <a:endParaRPr lang="en-US" dirty="0"/>
           </a:p>
@@ -4119,13 +4119,14 @@
           <a:p>
             <a:r>
               <a:rPr lang="en-US" dirty="0"/>
-              <a:t>Who What When </a:t>
-            </a:r>
-            <a:r>
-              <a:rPr lang="en-US"/>
-              <a:t>Why ( HOW Later)</a:t>
-            </a:r>
-            <a:endParaRPr lang="en-US" dirty="0"/>
+              <a:t>Who What When Why ( HOW Later)</a:t>
+            </a:r>
+          </a:p>
+          <a:p>
+            <a:r>
+              <a:rPr lang="en-US" dirty="0"/>
+              <a:t>Team introductions!!!</a:t>
+            </a:r>
           </a:p>
         </p:txBody>
       </p:sp>
@@ -5289,7 +5290,7 @@
           <a:p>
             <a:r>
               <a:rPr lang="en-US" dirty="0"/>
-              <a:t>Common things</a:t>
+              <a:t>Common Syntax things</a:t>
             </a:r>
           </a:p>
           <a:p>
@@ -5399,7 +5400,7 @@
           <a:p>
             <a:r>
               <a:rPr lang="en-US" dirty="0"/>
-              <a:t>FRC provides some designs for the code as classes in the </a:t>
+              <a:t>FRC provides the framework and design options for the code as classes in the </a:t>
             </a:r>
             <a:r>
               <a:rPr lang="en-US" dirty="0" err="1"/>
@@ -5407,16 +5408,16 @@
             </a:r>
             <a:r>
               <a:rPr lang="en-US" dirty="0"/>
-              <a:t> plug-in to Eclipse</a:t>
-            </a:r>
-          </a:p>
-          <a:p>
-            <a:endParaRPr lang="en-US" dirty="0"/>
-          </a:p>
-          <a:p>
-            <a:r>
-              <a:rPr lang="en-US" dirty="0"/>
-              <a:t>We’ve been using “Command Based” design</a:t>
+              <a:t> plug-in to Eclipse.</a:t>
+            </a:r>
+          </a:p>
+          <a:p>
+            <a:endParaRPr lang="en-US" dirty="0"/>
+          </a:p>
+          <a:p>
+            <a:r>
+              <a:rPr lang="en-US" dirty="0"/>
+              <a:t>We’ve been using “Command Based” design:</a:t>
             </a:r>
           </a:p>
           <a:p>
@@ -5618,7 +5619,7 @@
           <a:p>
             <a:r>
               <a:rPr lang="en-US" dirty="0"/>
-              <a:t>Summer Learning - Test Robot Electronics</a:t>
+              <a:t>Summer Learning - Test Robot Hardware</a:t>
             </a:r>
           </a:p>
           <a:p>
@@ -5810,16 +5811,10 @@
           </a:p>
           <a:p>
             <a:r>
-              <a:rPr lang="en-US" sz="1400">
-                <a:hlinkClick r:id="rId3"/>
-              </a:rPr>
-              <a:t>		http</a:t>
-            </a:r>
-            <a:r>
               <a:rPr lang="en-US" sz="1400" dirty="0">
                 <a:hlinkClick r:id="rId3"/>
               </a:rPr>
-              <a:t>://www.andymark.com/</a:t>
+              <a:t>		http://www.andymark.com/</a:t>
             </a:r>
             <a:endParaRPr lang="en-US" dirty="0"/>
           </a:p>

--- a/FRC 4662 Programming Intro.pptx
+++ b/FRC 4662 Programming Intro.pptx
@@ -4124,9 +4124,10 @@
           </a:p>
           <a:p>
             <a:r>
-              <a:rPr lang="en-US" dirty="0"/>
+              <a:rPr lang="en-US"/>
               <a:t>Team introductions!!!</a:t>
             </a:r>
+            <a:endParaRPr lang="en-US" dirty="0"/>
           </a:p>
         </p:txBody>
       </p:sp>
